--- a/00-dotnext-threadpool.pptx
+++ b/00-dotnext-threadpool.pptx
@@ -5,10 +5,10 @@
     <p:sldMasterId id="2147483660" r:id="rId1"/>
   </p:sldMasterIdLst>
   <p:notesMasterIdLst>
-    <p:notesMasterId r:id="rId23"/>
+    <p:notesMasterId r:id="rId20"/>
   </p:notesMasterIdLst>
   <p:handoutMasterIdLst>
-    <p:handoutMasterId r:id="rId24"/>
+    <p:handoutMasterId r:id="rId21"/>
   </p:handoutMasterIdLst>
   <p:sldIdLst>
     <p:sldId id="516" r:id="rId2"/>
@@ -20,18 +20,15 @@
     <p:sldId id="700" r:id="rId8"/>
     <p:sldId id="715" r:id="rId9"/>
     <p:sldId id="720" r:id="rId10"/>
-    <p:sldId id="721" r:id="rId11"/>
-    <p:sldId id="727" r:id="rId12"/>
-    <p:sldId id="717" r:id="rId13"/>
-    <p:sldId id="669" r:id="rId14"/>
-    <p:sldId id="706" r:id="rId15"/>
-    <p:sldId id="725" r:id="rId16"/>
-    <p:sldId id="722" r:id="rId17"/>
-    <p:sldId id="724" r:id="rId18"/>
-    <p:sldId id="723" r:id="rId19"/>
-    <p:sldId id="650" r:id="rId20"/>
-    <p:sldId id="651" r:id="rId21"/>
-    <p:sldId id="492" r:id="rId22"/>
+    <p:sldId id="728" r:id="rId11"/>
+    <p:sldId id="717" r:id="rId12"/>
+    <p:sldId id="669" r:id="rId13"/>
+    <p:sldId id="725" r:id="rId14"/>
+    <p:sldId id="722" r:id="rId15"/>
+    <p:sldId id="706" r:id="rId16"/>
+    <p:sldId id="650" r:id="rId17"/>
+    <p:sldId id="651" r:id="rId18"/>
+    <p:sldId id="492" r:id="rId19"/>
   </p:sldIdLst>
   <p:sldSz cx="12192000" cy="6858000"/>
   <p:notesSz cx="6858000" cy="9144000"/>
@@ -133,13 +130,13 @@
   <p:extLst>
     <p:ext uri="{521415D9-36F7-43E2-AB2F-B90AF26B5E84}">
       <p14:sectionLst xmlns:p14="http://schemas.microsoft.com/office/powerpoint/2010/main">
-        <p14:section name="Введение" id="{99A66E3D-4627-49FB-8EDC-5ADFF2B292DC}">
+        <p14:section name="О себе" id="{99A66E3D-4627-49FB-8EDC-5ADFF2B292DC}">
           <p14:sldIdLst>
             <p14:sldId id="516"/>
             <p14:sldId id="450"/>
           </p14:sldIdLst>
         </p14:section>
-        <p14:section name="Введение (25%)" id="{FB1B8EB0-2BA8-40A0-BD9B-BCE9BEE3D249}">
+        <p14:section name="Введение (30%)" id="{FB1B8EB0-2BA8-40A0-BD9B-BCE9BEE3D249}">
           <p14:sldIdLst>
             <p14:sldId id="488"/>
             <p14:sldId id="710"/>
@@ -148,25 +145,19 @@
             <p14:sldId id="700"/>
             <p14:sldId id="715"/>
             <p14:sldId id="720"/>
-            <p14:sldId id="721"/>
-            <p14:sldId id="727"/>
+            <p14:sldId id="728"/>
             <p14:sldId id="717"/>
           </p14:sldIdLst>
         </p14:section>
-        <p14:section name="Основная часть (50%)" id="{305013D4-C66B-47A1-A6CF-EACBFA690D63}">
+        <p14:section name="Основная часть (60%)" id="{305013D4-C66B-47A1-A6CF-EACBFA690D63}">
           <p14:sldIdLst>
             <p14:sldId id="669"/>
-            <p14:sldId id="706"/>
             <p14:sldId id="725"/>
             <p14:sldId id="722"/>
-            <p14:sldId id="724"/>
-            <p14:sldId id="723"/>
+            <p14:sldId id="706"/>
           </p14:sldIdLst>
         </p14:section>
-        <p14:section name="Развязка (25%)" id="{3F7324A7-CAC1-485E-9FA6-BCE673C7F080}">
-          <p14:sldIdLst/>
-        </p14:section>
-        <p14:section name="Выводы" id="{86ABB026-6F90-4601-94C7-65B0DFFA8CC5}">
+        <p14:section name="Выводы (10%)" id="{86ABB026-6F90-4601-94C7-65B0DFFA8CC5}">
           <p14:sldIdLst>
             <p14:sldId id="650"/>
             <p14:sldId id="651"/>
@@ -2863,7 +2854,7 @@
           <a:p>
             <a:fld id="{F0B702DD-AC8F-417C-B7E8-5E3F8CEB616D}" type="datetimeFigureOut">
               <a:rPr lang="ru-RU" smtClean="0"/>
-              <a:t>19.10.2021</a:t>
+              <a:t>26.10.2021</a:t>
             </a:fld>
             <a:endParaRPr lang="ru-RU"/>
           </a:p>
@@ -3040,7 +3031,7 @@
           <a:p>
             <a:fld id="{54A2AA2D-F3FD-4622-BBC6-712AF01C4DDE}" type="datetimeFigureOut">
               <a:rPr lang="en-US" smtClean="0"/>
-              <a:t>10/19/2021</a:t>
+              <a:t>10/26/2021</a:t>
             </a:fld>
             <a:endParaRPr lang="en-US"/>
           </a:p>
@@ -3526,6 +3517,90 @@
           <a:bodyPr/>
           <a:lstStyle/>
           <a:p>
+            <a:endParaRPr lang="ru-RU" dirty="0"/>
+          </a:p>
+        </p:txBody>
+      </p:sp>
+      <p:sp>
+        <p:nvSpPr>
+          <p:cNvPr id="4" name="Номер слайда 3"/>
+          <p:cNvSpPr>
+            <a:spLocks noGrp="1"/>
+          </p:cNvSpPr>
+          <p:nvPr>
+            <p:ph type="sldNum" sz="quarter" idx="5"/>
+          </p:nvPr>
+        </p:nvSpPr>
+        <p:spPr/>
+        <p:txBody>
+          <a:bodyPr/>
+          <a:lstStyle/>
+          <a:p>
+            <a:fld id="{CDF90907-BE26-48C9-88BE-8D126E13B685}" type="slidenum">
+              <a:rPr lang="en-US" smtClean="0"/>
+              <a:t>6</a:t>
+            </a:fld>
+            <a:endParaRPr lang="en-US"/>
+          </a:p>
+        </p:txBody>
+      </p:sp>
+    </p:spTree>
+    <p:extLst>
+      <p:ext uri="{BB962C8B-B14F-4D97-AF65-F5344CB8AC3E}">
+        <p14:creationId xmlns:p14="http://schemas.microsoft.com/office/powerpoint/2010/main" val="3023872443"/>
+      </p:ext>
+    </p:extLst>
+  </p:cSld>
+  <p:clrMapOvr>
+    <a:masterClrMapping/>
+  </p:clrMapOvr>
+</p:notes>
+</file>
+
+<file path=ppt/notesSlides/notesSlide4.xml><?xml version="1.0" encoding="utf-8"?>
+<p:notes xmlns:a="http://schemas.openxmlformats.org/drawingml/2006/main" xmlns:r="http://schemas.openxmlformats.org/officeDocument/2006/relationships" xmlns:p="http://schemas.openxmlformats.org/presentationml/2006/main">
+  <p:cSld>
+    <p:spTree>
+      <p:nvGrpSpPr>
+        <p:cNvPr id="1" name=""/>
+        <p:cNvGrpSpPr/>
+        <p:nvPr/>
+      </p:nvGrpSpPr>
+      <p:grpSpPr>
+        <a:xfrm>
+          <a:off x="0" y="0"/>
+          <a:ext cx="0" cy="0"/>
+          <a:chOff x="0" y="0"/>
+          <a:chExt cx="0" cy="0"/>
+        </a:xfrm>
+      </p:grpSpPr>
+      <p:sp>
+        <p:nvSpPr>
+          <p:cNvPr id="2" name="Образ слайда 1"/>
+          <p:cNvSpPr>
+            <a:spLocks noGrp="1" noRot="1" noChangeAspect="1"/>
+          </p:cNvSpPr>
+          <p:nvPr>
+            <p:ph type="sldImg"/>
+          </p:nvPr>
+        </p:nvSpPr>
+        <p:spPr/>
+      </p:sp>
+      <p:sp>
+        <p:nvSpPr>
+          <p:cNvPr id="3" name="Заметки 2"/>
+          <p:cNvSpPr>
+            <a:spLocks noGrp="1"/>
+          </p:cNvSpPr>
+          <p:nvPr>
+            <p:ph type="body" idx="1"/>
+          </p:nvPr>
+        </p:nvSpPr>
+        <p:spPr/>
+        <p:txBody>
+          <a:bodyPr/>
+          <a:lstStyle/>
+          <a:p>
             <a:r>
               <a:rPr lang="en-US" dirty="0"/>
               <a:t>+1’ = 3’</a:t>
@@ -3551,7 +3626,7 @@
           <a:p>
             <a:fld id="{CDF90907-BE26-48C9-88BE-8D126E13B685}" type="slidenum">
               <a:rPr lang="en-US" smtClean="0"/>
-              <a:t>12</a:t>
+              <a:t>11</a:t>
             </a:fld>
             <a:endParaRPr lang="en-US"/>
           </a:p>
@@ -3570,7 +3645,7 @@
 </p:notes>
 </file>
 
-<file path=ppt/notesSlides/notesSlide4.xml><?xml version="1.0" encoding="utf-8"?>
+<file path=ppt/notesSlides/notesSlide5.xml><?xml version="1.0" encoding="utf-8"?>
 <p:notes xmlns:a="http://schemas.openxmlformats.org/drawingml/2006/main" xmlns:r="http://schemas.openxmlformats.org/officeDocument/2006/relationships" xmlns:p="http://schemas.openxmlformats.org/presentationml/2006/main">
   <p:cSld>
     <p:spTree>
@@ -3638,7 +3713,7 @@
           <a:p>
             <a:fld id="{CDF90907-BE26-48C9-88BE-8D126E13B685}" type="slidenum">
               <a:rPr lang="en-US" smtClean="0"/>
-              <a:t>21</a:t>
+              <a:t>18</a:t>
             </a:fld>
             <a:endParaRPr lang="en-US"/>
           </a:p>
@@ -3659,1152 +3734,6 @@
 
 <file path=ppt/slideLayouts/slideLayout1.xml><?xml version="1.0" encoding="utf-8"?>
 <p:sldLayout xmlns:a="http://schemas.openxmlformats.org/drawingml/2006/main" xmlns:r="http://schemas.openxmlformats.org/officeDocument/2006/relationships" xmlns:p="http://schemas.openxmlformats.org/presentationml/2006/main" preserve="1" userDrawn="1">
-  <p:cSld name="Верхний заголовок">
-    <p:spTree>
-      <p:nvGrpSpPr>
-        <p:cNvPr id="1" name=""/>
-        <p:cNvGrpSpPr/>
-        <p:nvPr/>
-      </p:nvGrpSpPr>
-      <p:grpSpPr>
-        <a:xfrm>
-          <a:off x="0" y="0"/>
-          <a:ext cx="0" cy="0"/>
-          <a:chOff x="0" y="0"/>
-          <a:chExt cx="0" cy="0"/>
-        </a:xfrm>
-      </p:grpSpPr>
-      <p:pic>
-        <p:nvPicPr>
-          <p:cNvPr id="16" name="Рисунок 15">
-            <a:extLst>
-              <a:ext uri="{FF2B5EF4-FFF2-40B4-BE49-F238E27FC236}">
-                <a16:creationId xmlns:a16="http://schemas.microsoft.com/office/drawing/2014/main" id="{3C59DE5F-F303-4742-A96F-D50700A16268}"/>
-              </a:ext>
-            </a:extLst>
-          </p:cNvPr>
-          <p:cNvPicPr>
-            <a:picLocks noChangeAspect="1"/>
-          </p:cNvPicPr>
-          <p:nvPr userDrawn="1"/>
-        </p:nvPicPr>
-        <p:blipFill>
-          <a:blip r:embed="rId2"/>
-          <a:stretch>
-            <a:fillRect/>
-          </a:stretch>
-        </p:blipFill>
-        <p:spPr>
-          <a:xfrm>
-            <a:off x="2286" y="0"/>
-            <a:ext cx="704850" cy="6858000"/>
-          </a:xfrm>
-          <a:prstGeom prst="rect">
-            <a:avLst/>
-          </a:prstGeom>
-        </p:spPr>
-      </p:pic>
-      <p:sp>
-        <p:nvSpPr>
-          <p:cNvPr id="9" name="TextBox 8">
-            <a:extLst>
-              <a:ext uri="{FF2B5EF4-FFF2-40B4-BE49-F238E27FC236}">
-                <a16:creationId xmlns:a16="http://schemas.microsoft.com/office/drawing/2014/main" id="{FC02269B-E154-41B8-822D-1C31CB76CE8D}"/>
-              </a:ext>
-            </a:extLst>
-          </p:cNvPr>
-          <p:cNvSpPr txBox="1"/>
-          <p:nvPr userDrawn="1"/>
-        </p:nvSpPr>
-        <p:spPr>
-          <a:xfrm>
-            <a:off x="0" y="6404373"/>
-            <a:ext cx="699656" cy="369332"/>
-          </a:xfrm>
-          <a:prstGeom prst="rect">
-            <a:avLst/>
-          </a:prstGeom>
-          <a:noFill/>
-        </p:spPr>
-        <p:txBody>
-          <a:bodyPr wrap="square" rtlCol="0">
-            <a:spAutoFit/>
-          </a:bodyPr>
-          <a:lstStyle/>
-          <a:p>
-            <a:pPr algn="ctr"/>
-            <a:fld id="{0ED144EA-89AE-4759-8B06-27CCA8284B21}" type="slidenum">
-              <a:rPr lang="en-US" smtClean="0">
-                <a:solidFill>
-                  <a:schemeClr val="bg1"/>
-                </a:solidFill>
-              </a:rPr>
-              <a:pPr algn="ctr"/>
-              <a:t>‹#›</a:t>
-            </a:fld>
-            <a:endParaRPr lang="en-US" dirty="0">
-              <a:solidFill>
-                <a:schemeClr val="bg1"/>
-              </a:solidFill>
-            </a:endParaRPr>
-          </a:p>
-        </p:txBody>
-      </p:sp>
-      <p:sp>
-        <p:nvSpPr>
-          <p:cNvPr id="15" name="Rectangle 14">
-            <a:extLst>
-              <a:ext uri="{FF2B5EF4-FFF2-40B4-BE49-F238E27FC236}">
-                <a16:creationId xmlns:a16="http://schemas.microsoft.com/office/drawing/2014/main" id="{E3AA97D4-D53C-4BD3-AE1E-212035720C57}"/>
-              </a:ext>
-            </a:extLst>
-          </p:cNvPr>
-          <p:cNvSpPr/>
-          <p:nvPr userDrawn="1"/>
-        </p:nvSpPr>
-        <p:spPr>
-          <a:xfrm>
-            <a:off x="707136" y="1"/>
-            <a:ext cx="11484864" cy="6858000"/>
-          </a:xfrm>
-          <a:prstGeom prst="rect">
-            <a:avLst/>
-          </a:prstGeom>
-          <a:solidFill>
-            <a:schemeClr val="bg1"/>
-          </a:solidFill>
-          <a:ln>
-            <a:noFill/>
-          </a:ln>
-          <a:effectLst>
-            <a:outerShdw blurRad="63500" sx="102000" sy="102000" algn="ctr" rotWithShape="0">
-              <a:prstClr val="black">
-                <a:alpha val="9000"/>
-              </a:prstClr>
-            </a:outerShdw>
-          </a:effectLst>
-        </p:spPr>
-        <p:style>
-          <a:lnRef idx="2">
-            <a:schemeClr val="accent1">
-              <a:shade val="50000"/>
-            </a:schemeClr>
-          </a:lnRef>
-          <a:fillRef idx="1">
-            <a:schemeClr val="accent1"/>
-          </a:fillRef>
-          <a:effectRef idx="0">
-            <a:schemeClr val="accent1"/>
-          </a:effectRef>
-          <a:fontRef idx="minor">
-            <a:schemeClr val="lt1"/>
-          </a:fontRef>
-        </p:style>
-        <p:txBody>
-          <a:bodyPr rtlCol="0" anchor="ctr"/>
-          <a:lstStyle/>
-          <a:p>
-            <a:pPr algn="ctr"/>
-            <a:endParaRPr lang="en-US"/>
-          </a:p>
-        </p:txBody>
-      </p:sp>
-      <p:sp>
-        <p:nvSpPr>
-          <p:cNvPr id="14" name="Text Placeholder 13">
-            <a:extLst>
-              <a:ext uri="{FF2B5EF4-FFF2-40B4-BE49-F238E27FC236}">
-                <a16:creationId xmlns:a16="http://schemas.microsoft.com/office/drawing/2014/main" id="{764A9F00-09EF-4F9D-B04D-5C87EDDC2DD9}"/>
-              </a:ext>
-            </a:extLst>
-          </p:cNvPr>
-          <p:cNvSpPr>
-            <a:spLocks noGrp="1"/>
-          </p:cNvSpPr>
-          <p:nvPr>
-            <p:ph type="body" sz="quarter" idx="10"/>
-          </p:nvPr>
-        </p:nvSpPr>
-        <p:spPr>
-          <a:xfrm>
-            <a:off x="1008063" y="1237956"/>
-            <a:ext cx="10643467" cy="4955453"/>
-          </a:xfrm>
-          <a:prstGeom prst="rect">
-            <a:avLst/>
-          </a:prstGeom>
-        </p:spPr>
-        <p:txBody>
-          <a:bodyPr/>
-          <a:lstStyle>
-            <a:lvl1pPr>
-              <a:defRPr sz="1800">
-                <a:latin typeface="Segoe UI" panose="020B0502040204020203" pitchFamily="34" charset="0"/>
-                <a:cs typeface="Segoe UI" panose="020B0502040204020203" pitchFamily="34" charset="0"/>
-              </a:defRPr>
-            </a:lvl1pPr>
-            <a:lvl2pPr>
-              <a:defRPr sz="1600">
-                <a:latin typeface="Segoe UI" panose="020B0502040204020203" pitchFamily="34" charset="0"/>
-                <a:cs typeface="Segoe UI" panose="020B0502040204020203" pitchFamily="34" charset="0"/>
-              </a:defRPr>
-            </a:lvl2pPr>
-            <a:lvl3pPr>
-              <a:defRPr sz="1400">
-                <a:latin typeface="Segoe UI" panose="020B0502040204020203" pitchFamily="34" charset="0"/>
-                <a:cs typeface="Segoe UI" panose="020B0502040204020203" pitchFamily="34" charset="0"/>
-              </a:defRPr>
-            </a:lvl3pPr>
-            <a:lvl4pPr>
-              <a:defRPr sz="1200">
-                <a:latin typeface="Segoe UI" panose="020B0502040204020203" pitchFamily="34" charset="0"/>
-                <a:cs typeface="Segoe UI" panose="020B0502040204020203" pitchFamily="34" charset="0"/>
-              </a:defRPr>
-            </a:lvl4pPr>
-            <a:lvl5pPr>
-              <a:defRPr sz="1200">
-                <a:latin typeface="Segoe UI" panose="020B0502040204020203" pitchFamily="34" charset="0"/>
-                <a:cs typeface="Segoe UI" panose="020B0502040204020203" pitchFamily="34" charset="0"/>
-              </a:defRPr>
-            </a:lvl5pPr>
-          </a:lstStyle>
-          <a:p>
-            <a:pPr lvl="0"/>
-            <a:r>
-              <a:rPr lang="en-US" dirty="0"/>
-              <a:t>Click to edit Master text styles</a:t>
-            </a:r>
-          </a:p>
-          <a:p>
-            <a:pPr lvl="1"/>
-            <a:r>
-              <a:rPr lang="en-US" dirty="0"/>
-              <a:t>Second level</a:t>
-            </a:r>
-          </a:p>
-          <a:p>
-            <a:pPr lvl="2"/>
-            <a:r>
-              <a:rPr lang="en-US" dirty="0"/>
-              <a:t>Third level</a:t>
-            </a:r>
-          </a:p>
-          <a:p>
-            <a:pPr lvl="3"/>
-            <a:r>
-              <a:rPr lang="en-US" dirty="0"/>
-              <a:t>Fourth level</a:t>
-            </a:r>
-          </a:p>
-          <a:p>
-            <a:pPr lvl="4"/>
-            <a:r>
-              <a:rPr lang="en-US" dirty="0"/>
-              <a:t>Fifth level</a:t>
-            </a:r>
-          </a:p>
-        </p:txBody>
-      </p:sp>
-      <p:sp>
-        <p:nvSpPr>
-          <p:cNvPr id="17" name="Title 16">
-            <a:extLst>
-              <a:ext uri="{FF2B5EF4-FFF2-40B4-BE49-F238E27FC236}">
-                <a16:creationId xmlns:a16="http://schemas.microsoft.com/office/drawing/2014/main" id="{04BE5C4A-B5FD-4ED8-B1F7-C578556EB72E}"/>
-              </a:ext>
-            </a:extLst>
-          </p:cNvPr>
-          <p:cNvSpPr>
-            <a:spLocks noGrp="1"/>
-          </p:cNvSpPr>
-          <p:nvPr>
-            <p:ph type="title"/>
-          </p:nvPr>
-        </p:nvSpPr>
-        <p:spPr>
-          <a:xfrm>
-            <a:off x="1008062" y="392506"/>
-            <a:ext cx="10643467" cy="493613"/>
-          </a:xfrm>
-          <a:prstGeom prst="rect">
-            <a:avLst/>
-          </a:prstGeom>
-        </p:spPr>
-        <p:txBody>
-          <a:bodyPr/>
-          <a:lstStyle>
-            <a:lvl1pPr>
-              <a:defRPr sz="2800">
-                <a:solidFill>
-                  <a:schemeClr val="tx1">
-                    <a:lumMod val="65000"/>
-                    <a:lumOff val="35000"/>
-                  </a:schemeClr>
-                </a:solidFill>
-                <a:latin typeface="Segoe UI Semibold" panose="020B0702040204020203" pitchFamily="34" charset="0"/>
-                <a:cs typeface="Segoe UI Semibold" panose="020B0702040204020203" pitchFamily="34" charset="0"/>
-              </a:defRPr>
-            </a:lvl1pPr>
-          </a:lstStyle>
-          <a:p>
-            <a:r>
-              <a:rPr lang="en-US" dirty="0"/>
-              <a:t>Click to edit Master title style</a:t>
-            </a:r>
-          </a:p>
-        </p:txBody>
-      </p:sp>
-      <p:sp>
-        <p:nvSpPr>
-          <p:cNvPr id="19" name="Rectangle 18">
-            <a:extLst>
-              <a:ext uri="{FF2B5EF4-FFF2-40B4-BE49-F238E27FC236}">
-                <a16:creationId xmlns:a16="http://schemas.microsoft.com/office/drawing/2014/main" id="{03C69484-E6B8-4D41-B8DF-7732CAAF4274}"/>
-              </a:ext>
-            </a:extLst>
-          </p:cNvPr>
-          <p:cNvSpPr/>
-          <p:nvPr userDrawn="1"/>
-        </p:nvSpPr>
-        <p:spPr>
-          <a:xfrm rot="5400000">
-            <a:off x="8740139" y="3406139"/>
-            <a:ext cx="6858002" cy="45719"/>
-          </a:xfrm>
-          <a:prstGeom prst="rect">
-            <a:avLst/>
-          </a:prstGeom>
-          <a:solidFill>
-            <a:schemeClr val="accent6">
-              <a:lumMod val="75000"/>
-            </a:schemeClr>
-          </a:solidFill>
-          <a:ln>
-            <a:noFill/>
-          </a:ln>
-        </p:spPr>
-        <p:style>
-          <a:lnRef idx="2">
-            <a:schemeClr val="accent1">
-              <a:shade val="50000"/>
-            </a:schemeClr>
-          </a:lnRef>
-          <a:fillRef idx="1">
-            <a:schemeClr val="accent1"/>
-          </a:fillRef>
-          <a:effectRef idx="0">
-            <a:schemeClr val="accent1"/>
-          </a:effectRef>
-          <a:fontRef idx="minor">
-            <a:schemeClr val="lt1"/>
-          </a:fontRef>
-        </p:style>
-        <p:txBody>
-          <a:bodyPr rtlCol="0" anchor="ctr"/>
-          <a:lstStyle/>
-          <a:p>
-            <a:pPr algn="ctr"/>
-            <a:endParaRPr lang="en-US"/>
-          </a:p>
-        </p:txBody>
-      </p:sp>
-      <p:pic>
-        <p:nvPicPr>
-          <p:cNvPr id="11" name="Picture 2">
-            <a:extLst>
-              <a:ext uri="{FF2B5EF4-FFF2-40B4-BE49-F238E27FC236}">
-                <a16:creationId xmlns:a16="http://schemas.microsoft.com/office/drawing/2014/main" id="{8DFC5DFB-F250-44C8-B4C7-77985F83456D}"/>
-              </a:ext>
-            </a:extLst>
-          </p:cNvPr>
-          <p:cNvPicPr>
-            <a:picLocks noChangeAspect="1" noChangeArrowheads="1"/>
-          </p:cNvPicPr>
-          <p:nvPr userDrawn="1"/>
-        </p:nvPicPr>
-        <p:blipFill>
-          <a:blip r:embed="rId3">
-            <a:extLst>
-              <a:ext uri="{28A0092B-C50C-407E-A947-70E740481C1C}">
-                <a14:useLocalDpi xmlns:a14="http://schemas.microsoft.com/office/drawing/2010/main" val="0"/>
-              </a:ext>
-            </a:extLst>
-          </a:blip>
-          <a:srcRect/>
-          <a:stretch>
-            <a:fillRect/>
-          </a:stretch>
-        </p:blipFill>
-        <p:spPr bwMode="auto">
-          <a:xfrm>
-            <a:off x="10402395" y="5734424"/>
-            <a:ext cx="1631410" cy="1631410"/>
-          </a:xfrm>
-          <a:prstGeom prst="rect">
-            <a:avLst/>
-          </a:prstGeom>
-          <a:noFill/>
-          <a:extLst>
-            <a:ext uri="{909E8E84-426E-40DD-AFC4-6F175D3DCCD1}">
-              <a14:hiddenFill xmlns:a14="http://schemas.microsoft.com/office/drawing/2010/main">
-                <a:solidFill>
-                  <a:srgbClr val="FFFFFF"/>
-                </a:solidFill>
-              </a14:hiddenFill>
-            </a:ext>
-          </a:extLst>
-        </p:spPr>
-      </p:pic>
-    </p:spTree>
-    <p:extLst>
-      <p:ext uri="{BB962C8B-B14F-4D97-AF65-F5344CB8AC3E}">
-        <p14:creationId xmlns:p14="http://schemas.microsoft.com/office/powerpoint/2010/main" val="1306455579"/>
-      </p:ext>
-    </p:extLst>
-  </p:cSld>
-  <p:clrMapOvr>
-    <a:masterClrMapping/>
-  </p:clrMapOvr>
-</p:sldLayout>
-</file>
-
-<file path=ppt/slideLayouts/slideLayout2.xml><?xml version="1.0" encoding="utf-8"?>
-<p:sldLayout xmlns:a="http://schemas.openxmlformats.org/drawingml/2006/main" xmlns:r="http://schemas.openxmlformats.org/officeDocument/2006/relationships" xmlns:p="http://schemas.openxmlformats.org/presentationml/2006/main" preserve="1" userDrawn="1">
-  <p:cSld name="Левый заголовок с подз. без лого">
-    <p:spTree>
-      <p:nvGrpSpPr>
-        <p:cNvPr id="1" name=""/>
-        <p:cNvGrpSpPr/>
-        <p:nvPr/>
-      </p:nvGrpSpPr>
-      <p:grpSpPr>
-        <a:xfrm>
-          <a:off x="0" y="0"/>
-          <a:ext cx="0" cy="0"/>
-          <a:chOff x="0" y="0"/>
-          <a:chExt cx="0" cy="0"/>
-        </a:xfrm>
-      </p:grpSpPr>
-      <p:pic>
-        <p:nvPicPr>
-          <p:cNvPr id="16" name="Рисунок 15">
-            <a:extLst>
-              <a:ext uri="{FF2B5EF4-FFF2-40B4-BE49-F238E27FC236}">
-                <a16:creationId xmlns:a16="http://schemas.microsoft.com/office/drawing/2014/main" id="{B8BBA5EC-9257-4C8B-B8EA-8B4AA072F2B4}"/>
-              </a:ext>
-            </a:extLst>
-          </p:cNvPr>
-          <p:cNvPicPr>
-            <a:picLocks noChangeAspect="1"/>
-          </p:cNvPicPr>
-          <p:nvPr userDrawn="1"/>
-        </p:nvPicPr>
-        <p:blipFill>
-          <a:blip r:embed="rId2"/>
-          <a:stretch>
-            <a:fillRect/>
-          </a:stretch>
-        </p:blipFill>
-        <p:spPr>
-          <a:xfrm>
-            <a:off x="2286" y="0"/>
-            <a:ext cx="704850" cy="6858000"/>
-          </a:xfrm>
-          <a:prstGeom prst="rect">
-            <a:avLst/>
-          </a:prstGeom>
-        </p:spPr>
-      </p:pic>
-      <p:sp>
-        <p:nvSpPr>
-          <p:cNvPr id="9" name="TextBox 8">
-            <a:extLst>
-              <a:ext uri="{FF2B5EF4-FFF2-40B4-BE49-F238E27FC236}">
-                <a16:creationId xmlns:a16="http://schemas.microsoft.com/office/drawing/2014/main" id="{FC02269B-E154-41B8-822D-1C31CB76CE8D}"/>
-              </a:ext>
-            </a:extLst>
-          </p:cNvPr>
-          <p:cNvSpPr txBox="1"/>
-          <p:nvPr userDrawn="1"/>
-        </p:nvSpPr>
-        <p:spPr>
-          <a:xfrm>
-            <a:off x="0" y="6404373"/>
-            <a:ext cx="699656" cy="369332"/>
-          </a:xfrm>
-          <a:prstGeom prst="rect">
-            <a:avLst/>
-          </a:prstGeom>
-          <a:noFill/>
-        </p:spPr>
-        <p:txBody>
-          <a:bodyPr wrap="square" rtlCol="0">
-            <a:spAutoFit/>
-          </a:bodyPr>
-          <a:lstStyle/>
-          <a:p>
-            <a:pPr algn="ctr"/>
-            <a:fld id="{0ED144EA-89AE-4759-8B06-27CCA8284B21}" type="slidenum">
-              <a:rPr lang="en-US" smtClean="0">
-                <a:solidFill>
-                  <a:schemeClr val="bg1"/>
-                </a:solidFill>
-              </a:rPr>
-              <a:pPr algn="ctr"/>
-              <a:t>‹#›</a:t>
-            </a:fld>
-            <a:endParaRPr lang="en-US" dirty="0">
-              <a:solidFill>
-                <a:schemeClr val="bg1"/>
-              </a:solidFill>
-            </a:endParaRPr>
-          </a:p>
-        </p:txBody>
-      </p:sp>
-      <p:sp>
-        <p:nvSpPr>
-          <p:cNvPr id="15" name="Rectangle 14">
-            <a:extLst>
-              <a:ext uri="{FF2B5EF4-FFF2-40B4-BE49-F238E27FC236}">
-                <a16:creationId xmlns:a16="http://schemas.microsoft.com/office/drawing/2014/main" id="{E3AA97D4-D53C-4BD3-AE1E-212035720C57}"/>
-              </a:ext>
-            </a:extLst>
-          </p:cNvPr>
-          <p:cNvSpPr/>
-          <p:nvPr userDrawn="1"/>
-        </p:nvSpPr>
-        <p:spPr>
-          <a:xfrm>
-            <a:off x="707136" y="1"/>
-            <a:ext cx="11484864" cy="6858000"/>
-          </a:xfrm>
-          <a:prstGeom prst="rect">
-            <a:avLst/>
-          </a:prstGeom>
-          <a:solidFill>
-            <a:schemeClr val="bg1"/>
-          </a:solidFill>
-          <a:ln>
-            <a:noFill/>
-          </a:ln>
-          <a:effectLst>
-            <a:outerShdw blurRad="63500" sx="102000" sy="102000" algn="ctr" rotWithShape="0">
-              <a:prstClr val="black">
-                <a:alpha val="9000"/>
-              </a:prstClr>
-            </a:outerShdw>
-          </a:effectLst>
-        </p:spPr>
-        <p:style>
-          <a:lnRef idx="2">
-            <a:schemeClr val="accent1">
-              <a:shade val="50000"/>
-            </a:schemeClr>
-          </a:lnRef>
-          <a:fillRef idx="1">
-            <a:schemeClr val="accent1"/>
-          </a:fillRef>
-          <a:effectRef idx="0">
-            <a:schemeClr val="accent1"/>
-          </a:effectRef>
-          <a:fontRef idx="minor">
-            <a:schemeClr val="lt1"/>
-          </a:fontRef>
-        </p:style>
-        <p:txBody>
-          <a:bodyPr rtlCol="0" anchor="ctr"/>
-          <a:lstStyle/>
-          <a:p>
-            <a:pPr algn="ctr"/>
-            <a:endParaRPr lang="en-US"/>
-          </a:p>
-        </p:txBody>
-      </p:sp>
-      <p:sp>
-        <p:nvSpPr>
-          <p:cNvPr id="14" name="Text Placeholder 13">
-            <a:extLst>
-              <a:ext uri="{FF2B5EF4-FFF2-40B4-BE49-F238E27FC236}">
-                <a16:creationId xmlns:a16="http://schemas.microsoft.com/office/drawing/2014/main" id="{764A9F00-09EF-4F9D-B04D-5C87EDDC2DD9}"/>
-              </a:ext>
-            </a:extLst>
-          </p:cNvPr>
-          <p:cNvSpPr>
-            <a:spLocks noGrp="1"/>
-          </p:cNvSpPr>
-          <p:nvPr>
-            <p:ph type="body" sz="quarter" idx="10"/>
-          </p:nvPr>
-        </p:nvSpPr>
-        <p:spPr>
-          <a:xfrm>
-            <a:off x="1008063" y="724156"/>
-            <a:ext cx="10643467" cy="5469254"/>
-          </a:xfrm>
-          <a:prstGeom prst="rect">
-            <a:avLst/>
-          </a:prstGeom>
-        </p:spPr>
-        <p:txBody>
-          <a:bodyPr/>
-          <a:lstStyle>
-            <a:lvl1pPr>
-              <a:defRPr sz="1600">
-                <a:latin typeface="Segoe UI" panose="020B0502040204020203" pitchFamily="34" charset="0"/>
-                <a:cs typeface="Segoe UI" panose="020B0502040204020203" pitchFamily="34" charset="0"/>
-              </a:defRPr>
-            </a:lvl1pPr>
-            <a:lvl2pPr>
-              <a:defRPr sz="1400">
-                <a:latin typeface="Segoe UI" panose="020B0502040204020203" pitchFamily="34" charset="0"/>
-                <a:cs typeface="Segoe UI" panose="020B0502040204020203" pitchFamily="34" charset="0"/>
-              </a:defRPr>
-            </a:lvl2pPr>
-            <a:lvl3pPr>
-              <a:defRPr sz="1200">
-                <a:latin typeface="Segoe UI" panose="020B0502040204020203" pitchFamily="34" charset="0"/>
-                <a:cs typeface="Segoe UI" panose="020B0502040204020203" pitchFamily="34" charset="0"/>
-              </a:defRPr>
-            </a:lvl3pPr>
-            <a:lvl4pPr>
-              <a:defRPr sz="1100">
-                <a:latin typeface="Segoe UI" panose="020B0502040204020203" pitchFamily="34" charset="0"/>
-                <a:cs typeface="Segoe UI" panose="020B0502040204020203" pitchFamily="34" charset="0"/>
-              </a:defRPr>
-            </a:lvl4pPr>
-            <a:lvl5pPr>
-              <a:defRPr sz="1100">
-                <a:latin typeface="Segoe UI" panose="020B0502040204020203" pitchFamily="34" charset="0"/>
-                <a:cs typeface="Segoe UI" panose="020B0502040204020203" pitchFamily="34" charset="0"/>
-              </a:defRPr>
-            </a:lvl5pPr>
-          </a:lstStyle>
-          <a:p>
-            <a:pPr lvl="0"/>
-            <a:r>
-              <a:rPr lang="en-US" dirty="0"/>
-              <a:t>Click to edit Master text styles</a:t>
-            </a:r>
-          </a:p>
-          <a:p>
-            <a:pPr lvl="1"/>
-            <a:r>
-              <a:rPr lang="en-US" dirty="0"/>
-              <a:t>Second level</a:t>
-            </a:r>
-          </a:p>
-          <a:p>
-            <a:pPr lvl="2"/>
-            <a:r>
-              <a:rPr lang="en-US" dirty="0"/>
-              <a:t>Third level</a:t>
-            </a:r>
-          </a:p>
-          <a:p>
-            <a:pPr lvl="3"/>
-            <a:r>
-              <a:rPr lang="en-US" dirty="0"/>
-              <a:t>Fourth level</a:t>
-            </a:r>
-          </a:p>
-          <a:p>
-            <a:pPr lvl="4"/>
-            <a:r>
-              <a:rPr lang="en-US" dirty="0"/>
-              <a:t>Fifth level</a:t>
-            </a:r>
-          </a:p>
-        </p:txBody>
-      </p:sp>
-      <p:sp>
-        <p:nvSpPr>
-          <p:cNvPr id="17" name="Title 16">
-            <a:extLst>
-              <a:ext uri="{FF2B5EF4-FFF2-40B4-BE49-F238E27FC236}">
-                <a16:creationId xmlns:a16="http://schemas.microsoft.com/office/drawing/2014/main" id="{04BE5C4A-B5FD-4ED8-B1F7-C578556EB72E}"/>
-              </a:ext>
-            </a:extLst>
-          </p:cNvPr>
-          <p:cNvSpPr>
-            <a:spLocks noGrp="1"/>
-          </p:cNvSpPr>
-          <p:nvPr>
-            <p:ph type="title"/>
-          </p:nvPr>
-        </p:nvSpPr>
-        <p:spPr>
-          <a:xfrm rot="16200000">
-            <a:off x="-1344142" y="1557241"/>
-            <a:ext cx="3387940" cy="699656"/>
-          </a:xfrm>
-          <a:prstGeom prst="rect">
-            <a:avLst/>
-          </a:prstGeom>
-        </p:spPr>
-        <p:txBody>
-          <a:bodyPr anchor="ctr"/>
-          <a:lstStyle>
-            <a:lvl1pPr algn="r">
-              <a:defRPr sz="2000">
-                <a:solidFill>
-                  <a:schemeClr val="bg1">
-                    <a:lumMod val="95000"/>
-                  </a:schemeClr>
-                </a:solidFill>
-                <a:latin typeface="+mn-lt"/>
-                <a:cs typeface="Segoe UI Semibold" panose="020B0702040204020203" pitchFamily="34" charset="0"/>
-              </a:defRPr>
-            </a:lvl1pPr>
-          </a:lstStyle>
-          <a:p>
-            <a:r>
-              <a:rPr lang="en-US" dirty="0"/>
-              <a:t>Click to edit Master title style</a:t>
-            </a:r>
-          </a:p>
-        </p:txBody>
-      </p:sp>
-      <p:sp>
-        <p:nvSpPr>
-          <p:cNvPr id="19" name="Rectangle 18">
-            <a:extLst>
-              <a:ext uri="{FF2B5EF4-FFF2-40B4-BE49-F238E27FC236}">
-                <a16:creationId xmlns:a16="http://schemas.microsoft.com/office/drawing/2014/main" id="{03C69484-E6B8-4D41-B8DF-7732CAAF4274}"/>
-              </a:ext>
-            </a:extLst>
-          </p:cNvPr>
-          <p:cNvSpPr/>
-          <p:nvPr userDrawn="1"/>
-        </p:nvSpPr>
-        <p:spPr>
-          <a:xfrm rot="5400000">
-            <a:off x="8740139" y="3406139"/>
-            <a:ext cx="6858002" cy="45719"/>
-          </a:xfrm>
-          <a:prstGeom prst="rect">
-            <a:avLst/>
-          </a:prstGeom>
-          <a:solidFill>
-            <a:schemeClr val="accent6">
-              <a:lumMod val="75000"/>
-            </a:schemeClr>
-          </a:solidFill>
-          <a:ln>
-            <a:noFill/>
-          </a:ln>
-        </p:spPr>
-        <p:style>
-          <a:lnRef idx="2">
-            <a:schemeClr val="accent1">
-              <a:shade val="50000"/>
-            </a:schemeClr>
-          </a:lnRef>
-          <a:fillRef idx="1">
-            <a:schemeClr val="accent1"/>
-          </a:fillRef>
-          <a:effectRef idx="0">
-            <a:schemeClr val="accent1"/>
-          </a:effectRef>
-          <a:fontRef idx="minor">
-            <a:schemeClr val="lt1"/>
-          </a:fontRef>
-        </p:style>
-        <p:txBody>
-          <a:bodyPr rtlCol="0" anchor="ctr"/>
-          <a:lstStyle/>
-          <a:p>
-            <a:pPr algn="ctr"/>
-            <a:endParaRPr lang="en-US"/>
-          </a:p>
-        </p:txBody>
-      </p:sp>
-      <p:sp>
-        <p:nvSpPr>
-          <p:cNvPr id="5" name="Текст 4">
-            <a:extLst>
-              <a:ext uri="{FF2B5EF4-FFF2-40B4-BE49-F238E27FC236}">
-                <a16:creationId xmlns:a16="http://schemas.microsoft.com/office/drawing/2014/main" id="{632A27EC-580F-4231-9A50-8FCA429A5F91}"/>
-              </a:ext>
-            </a:extLst>
-          </p:cNvPr>
-          <p:cNvSpPr>
-            <a:spLocks noGrp="1"/>
-          </p:cNvSpPr>
-          <p:nvPr>
-            <p:ph type="body" sz="quarter" idx="11"/>
-          </p:nvPr>
-        </p:nvSpPr>
-        <p:spPr>
-          <a:xfrm>
-            <a:off x="1008063" y="147031"/>
-            <a:ext cx="10644187" cy="394307"/>
-          </a:xfrm>
-          <a:prstGeom prst="rect">
-            <a:avLst/>
-          </a:prstGeom>
-        </p:spPr>
-        <p:txBody>
-          <a:bodyPr/>
-          <a:lstStyle>
-            <a:lvl1pPr marL="0" indent="0">
-              <a:buNone/>
-              <a:defRPr sz="2000" u="dotted" baseline="0">
-                <a:solidFill>
-                  <a:schemeClr val="tx1">
-                    <a:lumMod val="75000"/>
-                    <a:lumOff val="25000"/>
-                  </a:schemeClr>
-                </a:solidFill>
-                <a:uFill>
-                  <a:solidFill>
-                    <a:schemeClr val="tx1">
-                      <a:lumMod val="50000"/>
-                      <a:lumOff val="50000"/>
-                    </a:schemeClr>
-                  </a:solidFill>
-                </a:uFill>
-                <a:latin typeface="+mj-lt"/>
-              </a:defRPr>
-            </a:lvl1pPr>
-          </a:lstStyle>
-          <a:p>
-            <a:pPr lvl="0"/>
-            <a:r>
-              <a:rPr lang="ru-RU" dirty="0"/>
-              <a:t>Образец текста</a:t>
-            </a:r>
-          </a:p>
-        </p:txBody>
-      </p:sp>
-      <p:pic>
-        <p:nvPicPr>
-          <p:cNvPr id="10" name="Picture 2">
-            <a:extLst>
-              <a:ext uri="{FF2B5EF4-FFF2-40B4-BE49-F238E27FC236}">
-                <a16:creationId xmlns:a16="http://schemas.microsoft.com/office/drawing/2014/main" id="{FD6B4EAF-8E66-496E-BFBB-90997B000D48}"/>
-              </a:ext>
-            </a:extLst>
-          </p:cNvPr>
-          <p:cNvPicPr>
-            <a:picLocks noChangeAspect="1" noChangeArrowheads="1"/>
-          </p:cNvPicPr>
-          <p:nvPr userDrawn="1"/>
-        </p:nvPicPr>
-        <p:blipFill>
-          <a:blip r:embed="rId3">
-            <a:extLst>
-              <a:ext uri="{28A0092B-C50C-407E-A947-70E740481C1C}">
-                <a14:useLocalDpi xmlns:a14="http://schemas.microsoft.com/office/drawing/2010/main" val="0"/>
-              </a:ext>
-            </a:extLst>
-          </a:blip>
-          <a:srcRect/>
-          <a:stretch>
-            <a:fillRect/>
-          </a:stretch>
-        </p:blipFill>
-        <p:spPr bwMode="auto">
-          <a:xfrm>
-            <a:off x="10402395" y="5734424"/>
-            <a:ext cx="1631410" cy="1631410"/>
-          </a:xfrm>
-          <a:prstGeom prst="rect">
-            <a:avLst/>
-          </a:prstGeom>
-          <a:noFill/>
-          <a:extLst>
-            <a:ext uri="{909E8E84-426E-40DD-AFC4-6F175D3DCCD1}">
-              <a14:hiddenFill xmlns:a14="http://schemas.microsoft.com/office/drawing/2010/main">
-                <a:solidFill>
-                  <a:srgbClr val="FFFFFF"/>
-                </a:solidFill>
-              </a14:hiddenFill>
-            </a:ext>
-          </a:extLst>
-        </p:spPr>
-      </p:pic>
-    </p:spTree>
-    <p:extLst>
-      <p:ext uri="{BB962C8B-B14F-4D97-AF65-F5344CB8AC3E}">
-        <p14:creationId xmlns:p14="http://schemas.microsoft.com/office/powerpoint/2010/main" val="179367785"/>
-      </p:ext>
-    </p:extLst>
-  </p:cSld>
-  <p:clrMapOvr>
-    <a:masterClrMapping/>
-  </p:clrMapOvr>
-</p:sldLayout>
-</file>
-
-<file path=ppt/slideLayouts/slideLayout3.xml><?xml version="1.0" encoding="utf-8"?>
-<p:sldLayout xmlns:a="http://schemas.openxmlformats.org/drawingml/2006/main" xmlns:r="http://schemas.openxmlformats.org/officeDocument/2006/relationships" xmlns:p="http://schemas.openxmlformats.org/presentationml/2006/main" preserve="1" userDrawn="1">
-  <p:cSld name="1_Левый заголовок с подз. без лого">
-    <p:spTree>
-      <p:nvGrpSpPr>
-        <p:cNvPr id="1" name=""/>
-        <p:cNvGrpSpPr/>
-        <p:nvPr/>
-      </p:nvGrpSpPr>
-      <p:grpSpPr>
-        <a:xfrm>
-          <a:off x="0" y="0"/>
-          <a:ext cx="0" cy="0"/>
-          <a:chOff x="0" y="0"/>
-          <a:chExt cx="0" cy="0"/>
-        </a:xfrm>
-      </p:grpSpPr>
-      <p:pic>
-        <p:nvPicPr>
-          <p:cNvPr id="16" name="Рисунок 15">
-            <a:extLst>
-              <a:ext uri="{FF2B5EF4-FFF2-40B4-BE49-F238E27FC236}">
-                <a16:creationId xmlns:a16="http://schemas.microsoft.com/office/drawing/2014/main" id="{B8BBA5EC-9257-4C8B-B8EA-8B4AA072F2B4}"/>
-              </a:ext>
-            </a:extLst>
-          </p:cNvPr>
-          <p:cNvPicPr>
-            <a:picLocks noChangeAspect="1"/>
-          </p:cNvPicPr>
-          <p:nvPr userDrawn="1"/>
-        </p:nvPicPr>
-        <p:blipFill>
-          <a:blip r:embed="rId2"/>
-          <a:stretch>
-            <a:fillRect/>
-          </a:stretch>
-        </p:blipFill>
-        <p:spPr>
-          <a:xfrm>
-            <a:off x="2286" y="0"/>
-            <a:ext cx="704850" cy="6858000"/>
-          </a:xfrm>
-          <a:prstGeom prst="rect">
-            <a:avLst/>
-          </a:prstGeom>
-        </p:spPr>
-      </p:pic>
-      <p:sp>
-        <p:nvSpPr>
-          <p:cNvPr id="9" name="TextBox 8">
-            <a:extLst>
-              <a:ext uri="{FF2B5EF4-FFF2-40B4-BE49-F238E27FC236}">
-                <a16:creationId xmlns:a16="http://schemas.microsoft.com/office/drawing/2014/main" id="{FC02269B-E154-41B8-822D-1C31CB76CE8D}"/>
-              </a:ext>
-            </a:extLst>
-          </p:cNvPr>
-          <p:cNvSpPr txBox="1"/>
-          <p:nvPr userDrawn="1"/>
-        </p:nvSpPr>
-        <p:spPr>
-          <a:xfrm>
-            <a:off x="0" y="6404373"/>
-            <a:ext cx="699656" cy="369332"/>
-          </a:xfrm>
-          <a:prstGeom prst="rect">
-            <a:avLst/>
-          </a:prstGeom>
-          <a:noFill/>
-        </p:spPr>
-        <p:txBody>
-          <a:bodyPr wrap="square" rtlCol="0">
-            <a:spAutoFit/>
-          </a:bodyPr>
-          <a:lstStyle/>
-          <a:p>
-            <a:pPr algn="ctr"/>
-            <a:fld id="{0ED144EA-89AE-4759-8B06-27CCA8284B21}" type="slidenum">
-              <a:rPr lang="en-US" smtClean="0">
-                <a:solidFill>
-                  <a:schemeClr val="bg1"/>
-                </a:solidFill>
-              </a:rPr>
-              <a:pPr algn="ctr"/>
-              <a:t>‹#›</a:t>
-            </a:fld>
-            <a:endParaRPr lang="en-US" dirty="0">
-              <a:solidFill>
-                <a:schemeClr val="bg1"/>
-              </a:solidFill>
-            </a:endParaRPr>
-          </a:p>
-        </p:txBody>
-      </p:sp>
-      <p:sp>
-        <p:nvSpPr>
-          <p:cNvPr id="15" name="Rectangle 14">
-            <a:extLst>
-              <a:ext uri="{FF2B5EF4-FFF2-40B4-BE49-F238E27FC236}">
-                <a16:creationId xmlns:a16="http://schemas.microsoft.com/office/drawing/2014/main" id="{E3AA97D4-D53C-4BD3-AE1E-212035720C57}"/>
-              </a:ext>
-            </a:extLst>
-          </p:cNvPr>
-          <p:cNvSpPr/>
-          <p:nvPr userDrawn="1"/>
-        </p:nvSpPr>
-        <p:spPr>
-          <a:xfrm>
-            <a:off x="707136" y="1"/>
-            <a:ext cx="11484864" cy="6858000"/>
-          </a:xfrm>
-          <a:prstGeom prst="rect">
-            <a:avLst/>
-          </a:prstGeom>
-          <a:solidFill>
-            <a:schemeClr val="bg1"/>
-          </a:solidFill>
-          <a:ln>
-            <a:noFill/>
-          </a:ln>
-          <a:effectLst>
-            <a:outerShdw blurRad="63500" sx="102000" sy="102000" algn="ctr" rotWithShape="0">
-              <a:prstClr val="black">
-                <a:alpha val="9000"/>
-              </a:prstClr>
-            </a:outerShdw>
-          </a:effectLst>
-        </p:spPr>
-        <p:style>
-          <a:lnRef idx="2">
-            <a:schemeClr val="accent1">
-              <a:shade val="50000"/>
-            </a:schemeClr>
-          </a:lnRef>
-          <a:fillRef idx="1">
-            <a:schemeClr val="accent1"/>
-          </a:fillRef>
-          <a:effectRef idx="0">
-            <a:schemeClr val="accent1"/>
-          </a:effectRef>
-          <a:fontRef idx="minor">
-            <a:schemeClr val="lt1"/>
-          </a:fontRef>
-        </p:style>
-        <p:txBody>
-          <a:bodyPr rtlCol="0" anchor="ctr"/>
-          <a:lstStyle/>
-          <a:p>
-            <a:pPr algn="ctr"/>
-            <a:endParaRPr lang="en-US"/>
-          </a:p>
-        </p:txBody>
-      </p:sp>
-      <p:sp>
-        <p:nvSpPr>
-          <p:cNvPr id="17" name="Title 16">
-            <a:extLst>
-              <a:ext uri="{FF2B5EF4-FFF2-40B4-BE49-F238E27FC236}">
-                <a16:creationId xmlns:a16="http://schemas.microsoft.com/office/drawing/2014/main" id="{04BE5C4A-B5FD-4ED8-B1F7-C578556EB72E}"/>
-              </a:ext>
-            </a:extLst>
-          </p:cNvPr>
-          <p:cNvSpPr>
-            <a:spLocks noGrp="1"/>
-          </p:cNvSpPr>
-          <p:nvPr>
-            <p:ph type="title"/>
-          </p:nvPr>
-        </p:nvSpPr>
-        <p:spPr>
-          <a:xfrm rot="16200000">
-            <a:off x="-1344142" y="1557241"/>
-            <a:ext cx="3387940" cy="699656"/>
-          </a:xfrm>
-          <a:prstGeom prst="rect">
-            <a:avLst/>
-          </a:prstGeom>
-        </p:spPr>
-        <p:txBody>
-          <a:bodyPr anchor="ctr"/>
-          <a:lstStyle>
-            <a:lvl1pPr algn="r">
-              <a:defRPr sz="2000">
-                <a:solidFill>
-                  <a:schemeClr val="bg1">
-                    <a:lumMod val="95000"/>
-                  </a:schemeClr>
-                </a:solidFill>
-                <a:latin typeface="+mn-lt"/>
-                <a:cs typeface="Segoe UI Semibold" panose="020B0702040204020203" pitchFamily="34" charset="0"/>
-              </a:defRPr>
-            </a:lvl1pPr>
-          </a:lstStyle>
-          <a:p>
-            <a:r>
-              <a:rPr lang="en-US" dirty="0"/>
-              <a:t>Click to edit Master title style</a:t>
-            </a:r>
-          </a:p>
-        </p:txBody>
-      </p:sp>
-      <p:sp>
-        <p:nvSpPr>
-          <p:cNvPr id="19" name="Rectangle 18">
-            <a:extLst>
-              <a:ext uri="{FF2B5EF4-FFF2-40B4-BE49-F238E27FC236}">
-                <a16:creationId xmlns:a16="http://schemas.microsoft.com/office/drawing/2014/main" id="{03C69484-E6B8-4D41-B8DF-7732CAAF4274}"/>
-              </a:ext>
-            </a:extLst>
-          </p:cNvPr>
-          <p:cNvSpPr/>
-          <p:nvPr userDrawn="1"/>
-        </p:nvSpPr>
-        <p:spPr>
-          <a:xfrm rot="5400000">
-            <a:off x="8740139" y="3406139"/>
-            <a:ext cx="6858002" cy="45719"/>
-          </a:xfrm>
-          <a:prstGeom prst="rect">
-            <a:avLst/>
-          </a:prstGeom>
-          <a:solidFill>
-            <a:schemeClr val="accent6">
-              <a:lumMod val="75000"/>
-            </a:schemeClr>
-          </a:solidFill>
-          <a:ln>
-            <a:noFill/>
-          </a:ln>
-        </p:spPr>
-        <p:style>
-          <a:lnRef idx="2">
-            <a:schemeClr val="accent1">
-              <a:shade val="50000"/>
-            </a:schemeClr>
-          </a:lnRef>
-          <a:fillRef idx="1">
-            <a:schemeClr val="accent1"/>
-          </a:fillRef>
-          <a:effectRef idx="0">
-            <a:schemeClr val="accent1"/>
-          </a:effectRef>
-          <a:fontRef idx="minor">
-            <a:schemeClr val="lt1"/>
-          </a:fontRef>
-        </p:style>
-        <p:txBody>
-          <a:bodyPr rtlCol="0" anchor="ctr"/>
-          <a:lstStyle/>
-          <a:p>
-            <a:pPr algn="ctr"/>
-            <a:endParaRPr lang="en-US"/>
-          </a:p>
-        </p:txBody>
-      </p:sp>
-    </p:spTree>
-    <p:extLst>
-      <p:ext uri="{BB962C8B-B14F-4D97-AF65-F5344CB8AC3E}">
-        <p14:creationId xmlns:p14="http://schemas.microsoft.com/office/powerpoint/2010/main" val="1677747025"/>
-      </p:ext>
-    </p:extLst>
-  </p:cSld>
-  <p:clrMapOvr>
-    <a:masterClrMapping/>
-  </p:clrMapOvr>
-</p:sldLayout>
-</file>
-
-<file path=ppt/slideLayouts/slideLayout4.xml><?xml version="1.0" encoding="utf-8"?>
-<p:sldLayout xmlns:a="http://schemas.openxmlformats.org/drawingml/2006/main" xmlns:r="http://schemas.openxmlformats.org/officeDocument/2006/relationships" xmlns:p="http://schemas.openxmlformats.org/presentationml/2006/main" preserve="1" userDrawn="1">
   <p:cSld name="2_Левый заголовок с подз. без лого">
     <p:spTree>
       <p:nvGrpSpPr>
@@ -4820,106 +3749,6 @@
           <a:chExt cx="0" cy="0"/>
         </a:xfrm>
       </p:grpSpPr>
-      <p:sp>
-        <p:nvSpPr>
-          <p:cNvPr id="9" name="TextBox 8">
-            <a:extLst>
-              <a:ext uri="{FF2B5EF4-FFF2-40B4-BE49-F238E27FC236}">
-                <a16:creationId xmlns:a16="http://schemas.microsoft.com/office/drawing/2014/main" id="{FC02269B-E154-41B8-822D-1C31CB76CE8D}"/>
-              </a:ext>
-            </a:extLst>
-          </p:cNvPr>
-          <p:cNvSpPr txBox="1"/>
-          <p:nvPr userDrawn="1"/>
-        </p:nvSpPr>
-        <p:spPr>
-          <a:xfrm>
-            <a:off x="0" y="6404373"/>
-            <a:ext cx="699656" cy="369332"/>
-          </a:xfrm>
-          <a:prstGeom prst="rect">
-            <a:avLst/>
-          </a:prstGeom>
-          <a:noFill/>
-        </p:spPr>
-        <p:txBody>
-          <a:bodyPr wrap="square" rtlCol="0">
-            <a:spAutoFit/>
-          </a:bodyPr>
-          <a:lstStyle/>
-          <a:p>
-            <a:pPr algn="ctr"/>
-            <a:fld id="{0ED144EA-89AE-4759-8B06-27CCA8284B21}" type="slidenum">
-              <a:rPr lang="en-US" smtClean="0">
-                <a:solidFill>
-                  <a:schemeClr val="bg1"/>
-                </a:solidFill>
-              </a:rPr>
-              <a:pPr algn="ctr"/>
-              <a:t>‹#›</a:t>
-            </a:fld>
-            <a:endParaRPr lang="en-US" dirty="0">
-              <a:solidFill>
-                <a:schemeClr val="bg1"/>
-              </a:solidFill>
-            </a:endParaRPr>
-          </a:p>
-        </p:txBody>
-      </p:sp>
-      <p:sp>
-        <p:nvSpPr>
-          <p:cNvPr id="19" name="Rectangle 18">
-            <a:extLst>
-              <a:ext uri="{FF2B5EF4-FFF2-40B4-BE49-F238E27FC236}">
-                <a16:creationId xmlns:a16="http://schemas.microsoft.com/office/drawing/2014/main" id="{03C69484-E6B8-4D41-B8DF-7732CAAF4274}"/>
-              </a:ext>
-            </a:extLst>
-          </p:cNvPr>
-          <p:cNvSpPr/>
-          <p:nvPr userDrawn="1"/>
-        </p:nvSpPr>
-        <p:spPr>
-          <a:xfrm rot="5400000">
-            <a:off x="8740139" y="3406139"/>
-            <a:ext cx="6858002" cy="45719"/>
-          </a:xfrm>
-          <a:prstGeom prst="rect">
-            <a:avLst/>
-          </a:prstGeom>
-          <a:solidFill>
-            <a:schemeClr val="accent6">
-              <a:lumMod val="75000"/>
-            </a:schemeClr>
-          </a:solidFill>
-          <a:ln>
-            <a:noFill/>
-          </a:ln>
-        </p:spPr>
-        <p:style>
-          <a:lnRef idx="2">
-            <a:schemeClr val="accent1">
-              <a:shade val="50000"/>
-            </a:schemeClr>
-          </a:lnRef>
-          <a:fillRef idx="1">
-            <a:schemeClr val="accent1"/>
-          </a:fillRef>
-          <a:effectRef idx="0">
-            <a:schemeClr val="accent1"/>
-          </a:effectRef>
-          <a:fontRef idx="minor">
-            <a:schemeClr val="lt1"/>
-          </a:fontRef>
-        </p:style>
-        <p:txBody>
-          <a:bodyPr rtlCol="0" anchor="ctr"/>
-          <a:lstStyle/>
-          <a:p>
-            <a:pPr algn="ctr"/>
-            <a:endParaRPr lang="en-US"/>
-          </a:p>
-        </p:txBody>
-      </p:sp>
       <p:sp>
         <p:nvSpPr>
           <p:cNvPr id="14" name="Rectangle 13">
@@ -4979,21 +3808,105 @@
           </a:p>
         </p:txBody>
       </p:sp>
+      <p:sp>
+        <p:nvSpPr>
+          <p:cNvPr id="9" name="TextBox 8">
+            <a:extLst>
+              <a:ext uri="{FF2B5EF4-FFF2-40B4-BE49-F238E27FC236}">
+                <a16:creationId xmlns:a16="http://schemas.microsoft.com/office/drawing/2014/main" id="{FC02269B-E154-41B8-822D-1C31CB76CE8D}"/>
+              </a:ext>
+            </a:extLst>
+          </p:cNvPr>
+          <p:cNvSpPr txBox="1"/>
+          <p:nvPr userDrawn="1"/>
+        </p:nvSpPr>
+        <p:spPr>
+          <a:xfrm>
+            <a:off x="0" y="6404373"/>
+            <a:ext cx="699656" cy="369332"/>
+          </a:xfrm>
+          <a:prstGeom prst="rect">
+            <a:avLst/>
+          </a:prstGeom>
+          <a:noFill/>
+        </p:spPr>
+        <p:txBody>
+          <a:bodyPr wrap="square" rtlCol="0">
+            <a:spAutoFit/>
+          </a:bodyPr>
+          <a:lstStyle/>
+          <a:p>
+            <a:pPr algn="ctr"/>
+            <a:fld id="{0ED144EA-89AE-4759-8B06-27CCA8284B21}" type="slidenum">
+              <a:rPr lang="en-US" smtClean="0">
+                <a:solidFill>
+                  <a:schemeClr val="bg1"/>
+                </a:solidFill>
+              </a:rPr>
+              <a:pPr algn="ctr"/>
+              <a:t>‹#›</a:t>
+            </a:fld>
+            <a:endParaRPr lang="en-US" dirty="0">
+              <a:solidFill>
+                <a:schemeClr val="bg1"/>
+              </a:solidFill>
+            </a:endParaRPr>
+          </a:p>
+        </p:txBody>
+      </p:sp>
+      <p:sp>
+        <p:nvSpPr>
+          <p:cNvPr id="2" name="TextBox 1">
+            <a:extLst>
+              <a:ext uri="{FF2B5EF4-FFF2-40B4-BE49-F238E27FC236}">
+                <a16:creationId xmlns:a16="http://schemas.microsoft.com/office/drawing/2014/main" id="{A0B0ADD6-67F2-474B-A3E2-D922513C3807}"/>
+              </a:ext>
+            </a:extLst>
+          </p:cNvPr>
+          <p:cNvSpPr txBox="1"/>
+          <p:nvPr userDrawn="1"/>
+        </p:nvSpPr>
+        <p:spPr>
+          <a:xfrm>
+            <a:off x="123092" y="6312877"/>
+            <a:ext cx="699656" cy="369332"/>
+          </a:xfrm>
+          <a:prstGeom prst="rect">
+            <a:avLst/>
+          </a:prstGeom>
+          <a:noFill/>
+        </p:spPr>
+        <p:txBody>
+          <a:bodyPr wrap="square" rtlCol="0">
+            <a:spAutoFit/>
+          </a:bodyPr>
+          <a:lstStyle/>
+          <a:p>
+            <a:pPr algn="ctr"/>
+            <a:fld id="{AC508BA7-5190-44F9-8CB6-5143DBC2DF5D}" type="slidenum">
+              <a:rPr lang="ru-RU" smtClean="0"/>
+              <a:pPr algn="ctr"/>
+              <a:t>‹#›</a:t>
+            </a:fld>
+            <a:endParaRPr lang="ru-RU" dirty="0"/>
+          </a:p>
+        </p:txBody>
+      </p:sp>
       <p:pic>
         <p:nvPicPr>
-          <p:cNvPr id="5" name="Picture 2">
+          <p:cNvPr id="7" name="Рисунок 8">
             <a:extLst>
               <a:ext uri="{FF2B5EF4-FFF2-40B4-BE49-F238E27FC236}">
-                <a16:creationId xmlns:a16="http://schemas.microsoft.com/office/drawing/2014/main" id="{D5B13297-CC42-4F88-985B-24FBFD9E9967}"/>
+                <a16:creationId xmlns:a16="http://schemas.microsoft.com/office/drawing/2014/main" id="{2687F83B-26B6-4AB9-9E22-DE3D5447CC9C}"/>
               </a:ext>
             </a:extLst>
           </p:cNvPr>
           <p:cNvPicPr>
-            <a:picLocks noChangeAspect="1" noChangeArrowheads="1"/>
+            <a:picLocks noChangeAspect="1"/>
           </p:cNvPicPr>
           <p:nvPr userDrawn="1"/>
         </p:nvPicPr>
-        <p:blipFill>
+        <p:blipFill rotWithShape="1">
           <a:blip r:embed="rId2">
             <a:extLst>
               <a:ext uri="{28A0092B-C50C-407E-A947-70E740481C1C}">
@@ -5001,29 +3914,17 @@
               </a:ext>
             </a:extLst>
           </a:blip>
-          <a:srcRect/>
-          <a:stretch>
-            <a:fillRect/>
-          </a:stretch>
+          <a:srcRect t="1" r="20108" b="-18211"/>
+          <a:stretch/>
         </p:blipFill>
-        <p:spPr bwMode="auto">
+        <p:spPr>
           <a:xfrm>
-            <a:off x="10402395" y="5734424"/>
-            <a:ext cx="1631410" cy="1631410"/>
+            <a:off x="10548424" y="6391886"/>
+            <a:ext cx="1435491" cy="466113"/>
           </a:xfrm>
           <a:prstGeom prst="rect">
             <a:avLst/>
           </a:prstGeom>
-          <a:noFill/>
-          <a:extLst>
-            <a:ext uri="{909E8E84-426E-40DD-AFC4-6F175D3DCCD1}">
-              <a14:hiddenFill xmlns:a14="http://schemas.microsoft.com/office/drawing/2010/main">
-                <a:solidFill>
-                  <a:srgbClr val="FFFFFF"/>
-                </a:solidFill>
-              </a14:hiddenFill>
-            </a:ext>
-          </a:extLst>
         </p:spPr>
       </p:pic>
     </p:spTree>
@@ -5036,10 +3937,11 @@
   <p:clrMapOvr>
     <a:masterClrMapping/>
   </p:clrMapOvr>
+  <p:hf hdr="0" ftr="0" dt="0"/>
 </p:sldLayout>
 </file>
 
-<file path=ppt/slideLayouts/slideLayout5.xml><?xml version="1.0" encoding="utf-8"?>
+<file path=ppt/slideLayouts/slideLayout2.xml><?xml version="1.0" encoding="utf-8"?>
 <p:sldLayout xmlns:a="http://schemas.openxmlformats.org/drawingml/2006/main" xmlns:r="http://schemas.openxmlformats.org/officeDocument/2006/relationships" xmlns:p="http://schemas.openxmlformats.org/presentationml/2006/main" preserve="1" userDrawn="1">
   <p:cSld name="3_Левый заголовок с подз. без лого">
     <p:spTree>
@@ -5215,6 +4117,44 @@
           </a:p>
         </p:txBody>
       </p:sp>
+      <p:sp>
+        <p:nvSpPr>
+          <p:cNvPr id="5" name="TextBox 4">
+            <a:extLst>
+              <a:ext uri="{FF2B5EF4-FFF2-40B4-BE49-F238E27FC236}">
+                <a16:creationId xmlns:a16="http://schemas.microsoft.com/office/drawing/2014/main" id="{AE1EA68C-ECE1-4732-8D17-9A3D2B8F5037}"/>
+              </a:ext>
+            </a:extLst>
+          </p:cNvPr>
+          <p:cNvSpPr txBox="1"/>
+          <p:nvPr userDrawn="1"/>
+        </p:nvSpPr>
+        <p:spPr>
+          <a:xfrm>
+            <a:off x="123092" y="6312877"/>
+            <a:ext cx="699656" cy="369332"/>
+          </a:xfrm>
+          <a:prstGeom prst="rect">
+            <a:avLst/>
+          </a:prstGeom>
+          <a:noFill/>
+        </p:spPr>
+        <p:txBody>
+          <a:bodyPr wrap="square" rtlCol="0">
+            <a:spAutoFit/>
+          </a:bodyPr>
+          <a:lstStyle/>
+          <a:p>
+            <a:pPr algn="ctr"/>
+            <a:fld id="{AC508BA7-5190-44F9-8CB6-5143DBC2DF5D}" type="slidenum">
+              <a:rPr lang="ru-RU" smtClean="0"/>
+              <a:pPr algn="ctr"/>
+              <a:t>‹#›</a:t>
+            </a:fld>
+            <a:endParaRPr lang="ru-RU" dirty="0"/>
+          </a:p>
+        </p:txBody>
+      </p:sp>
     </p:spTree>
     <p:extLst>
       <p:ext uri="{BB962C8B-B14F-4D97-AF65-F5344CB8AC3E}">
@@ -5228,7 +4168,7 @@
 </p:sldLayout>
 </file>
 
-<file path=ppt/slideLayouts/slideLayout6.xml><?xml version="1.0" encoding="utf-8"?>
+<file path=ppt/slideLayouts/slideLayout3.xml><?xml version="1.0" encoding="utf-8"?>
 <p:sldLayout xmlns:a="http://schemas.openxmlformats.org/drawingml/2006/main" xmlns:r="http://schemas.openxmlformats.org/officeDocument/2006/relationships" xmlns:p="http://schemas.openxmlformats.org/presentationml/2006/main" preserve="1" userDrawn="1">
   <p:cSld name="Title Page">
     <p:spTree>
@@ -5329,19 +4269,19 @@
       </p:sp>
       <p:pic>
         <p:nvPicPr>
-          <p:cNvPr id="5" name="Picture 4">
+          <p:cNvPr id="8" name="Рисунок 3">
             <a:extLst>
               <a:ext uri="{FF2B5EF4-FFF2-40B4-BE49-F238E27FC236}">
-                <a16:creationId xmlns:a16="http://schemas.microsoft.com/office/drawing/2014/main" id="{7110D0ED-6EB8-45DD-8131-9A4C2492DB14}"/>
+                <a16:creationId xmlns:a16="http://schemas.microsoft.com/office/drawing/2014/main" id="{28E363FA-4BB1-4D84-8BE4-1DB041C69603}"/>
               </a:ext>
             </a:extLst>
           </p:cNvPr>
           <p:cNvPicPr>
-            <a:picLocks noChangeAspect="1" noChangeArrowheads="1"/>
+            <a:picLocks noChangeAspect="1"/>
           </p:cNvPicPr>
           <p:nvPr userDrawn="1"/>
         </p:nvPicPr>
-        <p:blipFill>
+        <p:blipFill rotWithShape="1">
           <a:blip r:embed="rId3">
             <a:extLst>
               <a:ext uri="{28A0092B-C50C-407E-A947-70E740481C1C}">
@@ -5349,29 +4289,17 @@
               </a:ext>
             </a:extLst>
           </a:blip>
-          <a:srcRect/>
-          <a:stretch>
-            <a:fillRect/>
-          </a:stretch>
+          <a:srcRect r="22043" b="-4873"/>
+          <a:stretch/>
         </p:blipFill>
-        <p:spPr bwMode="auto">
+        <p:spPr>
           <a:xfrm>
-            <a:off x="10738688" y="-263054"/>
-            <a:ext cx="1287700" cy="1287700"/>
+            <a:off x="10722708" y="176211"/>
+            <a:ext cx="1331546" cy="378413"/>
           </a:xfrm>
           <a:prstGeom prst="rect">
             <a:avLst/>
           </a:prstGeom>
-          <a:noFill/>
-          <a:extLst>
-            <a:ext uri="{909E8E84-426E-40DD-AFC4-6F175D3DCCD1}">
-              <a14:hiddenFill xmlns:a14="http://schemas.microsoft.com/office/drawing/2010/main">
-                <a:solidFill>
-                  <a:srgbClr val="FFFFFF"/>
-                </a:solidFill>
-              </a14:hiddenFill>
-            </a:ext>
-          </a:extLst>
         </p:spPr>
       </p:pic>
     </p:spTree>
@@ -5387,7 +4315,7 @@
 </p:sldLayout>
 </file>
 
-<file path=ppt/slideLayouts/slideLayout7.xml><?xml version="1.0" encoding="utf-8"?>
+<file path=ppt/slideLayouts/slideLayout4.xml><?xml version="1.0" encoding="utf-8"?>
 <p:sldLayout xmlns:a="http://schemas.openxmlformats.org/drawingml/2006/main" xmlns:r="http://schemas.openxmlformats.org/officeDocument/2006/relationships" xmlns:p="http://schemas.openxmlformats.org/presentationml/2006/main" preserve="1" userDrawn="1">
   <p:cSld name="1_Title Page">
     <p:spTree>
@@ -5703,19 +4631,19 @@
       </p:sp>
       <p:pic>
         <p:nvPicPr>
-          <p:cNvPr id="17" name="Picture 4">
+          <p:cNvPr id="11" name="Рисунок 3">
             <a:extLst>
               <a:ext uri="{FF2B5EF4-FFF2-40B4-BE49-F238E27FC236}">
-                <a16:creationId xmlns:a16="http://schemas.microsoft.com/office/drawing/2014/main" id="{7267D607-84D6-49CF-B2F6-489E1E7E6B96}"/>
+                <a16:creationId xmlns:a16="http://schemas.microsoft.com/office/drawing/2014/main" id="{9A46987C-FC80-4B5B-9237-B52CBEB28BEA}"/>
               </a:ext>
             </a:extLst>
           </p:cNvPr>
           <p:cNvPicPr>
-            <a:picLocks noChangeAspect="1" noChangeArrowheads="1"/>
+            <a:picLocks noChangeAspect="1"/>
           </p:cNvPicPr>
           <p:nvPr userDrawn="1"/>
         </p:nvPicPr>
-        <p:blipFill>
+        <p:blipFill rotWithShape="1">
           <a:blip r:embed="rId4">
             <a:extLst>
               <a:ext uri="{28A0092B-C50C-407E-A947-70E740481C1C}">
@@ -5723,29 +4651,17 @@
               </a:ext>
             </a:extLst>
           </a:blip>
-          <a:srcRect/>
-          <a:stretch>
-            <a:fillRect/>
-          </a:stretch>
+          <a:srcRect r="22043" b="-4873"/>
+          <a:stretch/>
         </p:blipFill>
-        <p:spPr bwMode="auto">
+        <p:spPr>
           <a:xfrm>
-            <a:off x="10738688" y="-263054"/>
-            <a:ext cx="1287700" cy="1287700"/>
+            <a:off x="10722708" y="176211"/>
+            <a:ext cx="1331546" cy="378413"/>
           </a:xfrm>
           <a:prstGeom prst="rect">
             <a:avLst/>
           </a:prstGeom>
-          <a:noFill/>
-          <a:extLst>
-            <a:ext uri="{909E8E84-426E-40DD-AFC4-6F175D3DCCD1}">
-              <a14:hiddenFill xmlns:a14="http://schemas.microsoft.com/office/drawing/2010/main">
-                <a:solidFill>
-                  <a:srgbClr val="FFFFFF"/>
-                </a:solidFill>
-              </a14:hiddenFill>
-            </a:ext>
-          </a:extLst>
         </p:spPr>
       </p:pic>
     </p:spTree>
@@ -5847,14 +4763,12 @@
   </p:cSld>
   <p:clrMap bg1="lt1" tx1="dk1" bg2="lt2" tx2="dk2" accent1="accent1" accent2="accent2" accent3="accent3" accent4="accent4" accent5="accent5" accent6="accent6" hlink="hlink" folHlink="folHlink"/>
   <p:sldLayoutIdLst>
-    <p:sldLayoutId id="2147483655" r:id="rId1"/>
-    <p:sldLayoutId id="2147483666" r:id="rId2"/>
-    <p:sldLayoutId id="2147483669" r:id="rId3"/>
-    <p:sldLayoutId id="2147483668" r:id="rId4"/>
-    <p:sldLayoutId id="2147483670" r:id="rId5"/>
-    <p:sldLayoutId id="2147483663" r:id="rId6"/>
-    <p:sldLayoutId id="2147483664" r:id="rId7"/>
+    <p:sldLayoutId id="2147483668" r:id="rId1"/>
+    <p:sldLayoutId id="2147483670" r:id="rId2"/>
+    <p:sldLayoutId id="2147483663" r:id="rId3"/>
+    <p:sldLayoutId id="2147483664" r:id="rId4"/>
   </p:sldLayoutIdLst>
+  <p:hf sldNum="0" hdr="0" dt="0"/>
   <p:txStyles>
     <p:titleStyle>
       <a:lvl1pPr algn="l" defTabSz="914400" rtl="0" eaLnBrk="1" latinLnBrk="0" hangingPunct="1">
@@ -6613,72 +5527,6 @@
       </p:grpSpPr>
       <p:sp>
         <p:nvSpPr>
-          <p:cNvPr id="8" name="TextBox 7">
-            <a:extLst>
-              <a:ext uri="{FF2B5EF4-FFF2-40B4-BE49-F238E27FC236}">
-                <a16:creationId xmlns:a16="http://schemas.microsoft.com/office/drawing/2014/main" id="{783B2213-8E7F-4DE5-86BE-81453FFF517C}"/>
-              </a:ext>
-            </a:extLst>
-          </p:cNvPr>
-          <p:cNvSpPr txBox="1"/>
-          <p:nvPr/>
-        </p:nvSpPr>
-        <p:spPr>
-          <a:xfrm>
-            <a:off x="0" y="2589755"/>
-            <a:ext cx="12192000" cy="1678490"/>
-          </a:xfrm>
-          <a:prstGeom prst="rect">
-            <a:avLst/>
-          </a:prstGeom>
-          <a:noFill/>
-        </p:spPr>
-        <p:txBody>
-          <a:bodyPr wrap="square" rtlCol="0" anchor="ctr">
-            <a:noAutofit/>
-          </a:bodyPr>
-          <a:lstStyle/>
-          <a:p>
-            <a:pPr algn="ctr"/>
-            <a:r>
-              <a:rPr lang="ru-RU" sz="3200" dirty="0"/>
-              <a:t>Так что же делать?</a:t>
-            </a:r>
-          </a:p>
-        </p:txBody>
-      </p:sp>
-    </p:spTree>
-    <p:extLst>
-      <p:ext uri="{BB962C8B-B14F-4D97-AF65-F5344CB8AC3E}">
-        <p14:creationId xmlns:p14="http://schemas.microsoft.com/office/powerpoint/2010/main" val="1362578347"/>
-      </p:ext>
-    </p:extLst>
-  </p:cSld>
-  <p:clrMapOvr>
-    <a:masterClrMapping/>
-  </p:clrMapOvr>
-</p:sld>
-</file>
-
-<file path=ppt/slides/slide11.xml><?xml version="1.0" encoding="utf-8"?>
-<p:sld xmlns:a="http://schemas.openxmlformats.org/drawingml/2006/main" xmlns:r="http://schemas.openxmlformats.org/officeDocument/2006/relationships" xmlns:p="http://schemas.openxmlformats.org/presentationml/2006/main">
-  <p:cSld>
-    <p:spTree>
-      <p:nvGrpSpPr>
-        <p:cNvPr id="1" name=""/>
-        <p:cNvGrpSpPr/>
-        <p:nvPr/>
-      </p:nvGrpSpPr>
-      <p:grpSpPr>
-        <a:xfrm>
-          <a:off x="0" y="0"/>
-          <a:ext cx="0" cy="0"/>
-          <a:chOff x="0" y="0"/>
-          <a:chExt cx="0" cy="0"/>
-        </a:xfrm>
-      </p:grpSpPr>
-      <p:sp>
-        <p:nvSpPr>
           <p:cNvPr id="4" name="Текст 3">
             <a:extLst>
               <a:ext uri="{FF2B5EF4-FFF2-40B4-BE49-F238E27FC236}">
@@ -6708,101 +5556,103 @@
           <a:p>
             <a:r>
               <a:rPr lang="ru-RU" sz="2000" dirty="0"/>
-              <a:t>Пул потоков</a:t>
+              <a:t>Контроль </a:t>
+            </a:r>
+            <a:r>
+              <a:rPr lang="en-US" sz="2000" dirty="0"/>
+              <a:t>lifetime </a:t>
+            </a:r>
+            <a:r>
+              <a:rPr lang="ru-RU" sz="2000" dirty="0"/>
+              <a:t>потока:</a:t>
+            </a:r>
+          </a:p>
+          <a:p>
+            <a:pPr lvl="1"/>
+            <a:r>
+              <a:rPr lang="ru-RU" sz="1600" dirty="0"/>
+              <a:t>Пользовательская оболочка с </a:t>
+            </a:r>
+            <a:r>
+              <a:rPr lang="en-US" sz="1600" dirty="0" err="1"/>
+              <a:t>OnStarted</a:t>
+            </a:r>
+            <a:r>
+              <a:rPr lang="en-US" sz="1600" dirty="0"/>
+              <a:t>, </a:t>
+            </a:r>
+            <a:r>
+              <a:rPr lang="en-US" sz="1600" dirty="0" err="1"/>
+              <a:t>OnStopping</a:t>
+            </a:r>
+            <a:r>
+              <a:rPr lang="en-US" sz="1600" dirty="0"/>
+              <a:t> </a:t>
+            </a:r>
+            <a:r>
+              <a:rPr lang="ru-RU" sz="1600" dirty="0"/>
+              <a:t>для потока</a:t>
+            </a:r>
+            <a:endParaRPr lang="en-US" sz="1600" dirty="0"/>
+          </a:p>
+          <a:p>
+            <a:pPr lvl="1"/>
+            <a:r>
+              <a:rPr lang="en-US" sz="1600" dirty="0" err="1"/>
+              <a:t>OnRun</a:t>
+            </a:r>
+            <a:r>
+              <a:rPr lang="en-US" sz="1600" dirty="0"/>
+              <a:t>(</a:t>
+            </a:r>
+            <a:r>
+              <a:rPr lang="en-US" sz="1600" dirty="0" err="1"/>
+              <a:t>PoolWork</a:t>
+            </a:r>
+            <a:r>
+              <a:rPr lang="en-US" sz="1600" dirty="0"/>
+              <a:t> item) =&gt; </a:t>
+            </a:r>
+            <a:r>
+              <a:rPr lang="en-US" sz="1600" dirty="0" err="1"/>
+              <a:t>item.Run</a:t>
+            </a:r>
+            <a:r>
+              <a:rPr lang="en-US" sz="1600" dirty="0"/>
+              <a:t>(_connection);</a:t>
+            </a:r>
+            <a:br>
+              <a:rPr lang="en-US" sz="1600" dirty="0"/>
+            </a:br>
+            <a:r>
+              <a:rPr lang="ru-RU" sz="1600" dirty="0"/>
+              <a:t>для проброса состояния из оболочки потока</a:t>
+            </a:r>
+            <a:endParaRPr lang="ru-RU" sz="1200" dirty="0"/>
+          </a:p>
+          <a:p>
+            <a:r>
+              <a:rPr lang="ru-RU" sz="2000" dirty="0"/>
+              <a:t>Внешнее управление количеством потоков</a:t>
             </a:r>
           </a:p>
           <a:p>
             <a:r>
               <a:rPr lang="ru-RU" sz="2000" dirty="0"/>
-              <a:t>Параллелизм которого управляем</a:t>
+              <a:t>Повышение скорости за счёт уменьшения борьбы за очередь</a:t>
             </a:r>
           </a:p>
           <a:p>
             <a:r>
               <a:rPr lang="ru-RU" sz="2000" dirty="0"/>
-              <a:t>При этом есть пользовательская оболочка с </a:t>
-            </a:r>
-            <a:r>
-              <a:rPr lang="en-US" sz="2000" dirty="0" err="1"/>
-              <a:t>OnStarted</a:t>
-            </a:r>
-            <a:r>
-              <a:rPr lang="en-US" sz="2000" dirty="0"/>
-              <a:t>, </a:t>
-            </a:r>
-            <a:r>
-              <a:rPr lang="en-US" sz="2000" dirty="0" err="1"/>
-              <a:t>OnStopping</a:t>
-            </a:r>
-            <a:r>
-              <a:rPr lang="en-US" sz="2000" dirty="0"/>
-              <a:t> </a:t>
-            </a:r>
-            <a:r>
-              <a:rPr lang="ru-RU" sz="2000" dirty="0"/>
-              <a:t>для потока</a:t>
-            </a:r>
-            <a:endParaRPr lang="en-US" sz="2000" dirty="0"/>
-          </a:p>
-          <a:p>
-            <a:r>
-              <a:rPr lang="en-US" sz="2000" dirty="0" err="1"/>
-              <a:t>OnRun</a:t>
-            </a:r>
-            <a:r>
-              <a:rPr lang="en-US" sz="2000" dirty="0"/>
-              <a:t>(</a:t>
-            </a:r>
-            <a:r>
-              <a:rPr lang="en-US" sz="2000" dirty="0" err="1"/>
-              <a:t>PoolWork</a:t>
-            </a:r>
-            <a:r>
-              <a:rPr lang="en-US" sz="2000" dirty="0"/>
-              <a:t> item) =&gt; </a:t>
-            </a:r>
-            <a:r>
-              <a:rPr lang="en-US" sz="2000" dirty="0" err="1"/>
-              <a:t>item.Run</a:t>
-            </a:r>
-            <a:r>
-              <a:rPr lang="en-US" sz="2000" dirty="0"/>
-              <a:t>(_connection);</a:t>
-            </a:r>
-            <a:br>
-              <a:rPr lang="en-US" sz="2000" dirty="0"/>
-            </a:br>
-            <a:r>
-              <a:rPr lang="ru-RU" sz="2000" dirty="0"/>
-              <a:t>для проброса состояния из оболочки потока</a:t>
+              <a:t>Сдерживание «страха» перед большой очередью задач</a:t>
             </a:r>
           </a:p>
           <a:p>
             <a:r>
-              <a:rPr lang="ru-RU" sz="2000" dirty="0"/>
-              <a:t>Не медленнее стандартного </a:t>
+              <a:rPr lang="ru-RU" sz="2000" dirty="0" err="1"/>
+              <a:t>Авторазблокирование</a:t>
             </a:r>
-            <a:r>
-              <a:rPr lang="en-US" sz="2000" dirty="0" err="1"/>
-              <a:t>ThreadPool</a:t>
-            </a:r>
-            <a:endParaRPr lang="ru-RU" sz="2000" dirty="0"/>
-          </a:p>
-          <a:p>
-            <a:r>
-              <a:rPr lang="ru-RU" sz="2000" dirty="0"/>
-              <a:t>С </a:t>
-            </a:r>
-            <a:r>
-              <a:rPr lang="ru-RU" sz="2000" dirty="0" err="1"/>
-              <a:t>автоопределением</a:t>
-            </a:r>
-            <a:r>
-              <a:rPr lang="ru-RU" sz="2000" dirty="0"/>
-              <a:t> блокировки пула потоками</a:t>
-            </a:r>
-          </a:p>
-          <a:p>
             <a:endParaRPr lang="ru-RU" sz="2000" dirty="0"/>
           </a:p>
         </p:txBody>
@@ -7001,16 +5851,55 @@
           </a:p>
         </p:txBody>
       </p:sp>
+      <p:sp>
+        <p:nvSpPr>
+          <p:cNvPr id="5" name="TextBox 4">
+            <a:extLst>
+              <a:ext uri="{FF2B5EF4-FFF2-40B4-BE49-F238E27FC236}">
+                <a16:creationId xmlns:a16="http://schemas.microsoft.com/office/drawing/2014/main" id="{BADDE5EE-3AFF-4B26-B0A4-32B0FEB118A2}"/>
+              </a:ext>
+            </a:extLst>
+          </p:cNvPr>
+          <p:cNvSpPr txBox="1"/>
+          <p:nvPr/>
+        </p:nvSpPr>
+        <p:spPr>
+          <a:xfrm>
+            <a:off x="0" y="8967"/>
+            <a:ext cx="12192000" cy="1678490"/>
+          </a:xfrm>
+          <a:prstGeom prst="rect">
+            <a:avLst/>
+          </a:prstGeom>
+          <a:noFill/>
+        </p:spPr>
+        <p:txBody>
+          <a:bodyPr wrap="square" rtlCol="0" anchor="ctr">
+            <a:noAutofit/>
+          </a:bodyPr>
+          <a:lstStyle/>
+          <a:p>
+            <a:pPr algn="ctr"/>
+            <a:r>
+              <a:rPr lang="ru-RU" sz="3200" dirty="0"/>
+              <a:t>Решаемые проблемы</a:t>
+            </a:r>
+          </a:p>
+        </p:txBody>
+      </p:sp>
     </p:spTree>
     <p:extLst>
       <p:ext uri="{BB962C8B-B14F-4D97-AF65-F5344CB8AC3E}">
-        <p14:creationId xmlns:p14="http://schemas.microsoft.com/office/powerpoint/2010/main" val="770289424"/>
+        <p14:creationId xmlns:p14="http://schemas.microsoft.com/office/powerpoint/2010/main" val="760867848"/>
       </p:ext>
     </p:extLst>
   </p:cSld>
   <p:clrMapOvr>
     <a:masterClrMapping/>
   </p:clrMapOvr>
+  <p:transition spd="slow">
+    <p:wipe/>
+  </p:transition>
   <p:timing>
     <p:tnLst>
       <p:par>
@@ -7032,7 +5921,7 @@
                             </p:stCondLst>
                             <p:childTnLst>
                               <p:par>
-                                <p:cTn id="5" presetID="10" presetClass="entr" presetSubtype="0" fill="hold" nodeType="clickEffect">
+                                <p:cTn id="5" presetID="10" presetClass="entr" presetSubtype="0" fill="hold" grpId="0" nodeType="clickEffect">
                                   <p:stCondLst>
                                     <p:cond delay="0"/>
                                   </p:stCondLst>
@@ -7040,6 +5929,49 @@
                                     <p:set>
                                       <p:cBhvr>
                                         <p:cTn id="6" dur="1" fill="hold">
+                                          <p:stCondLst>
+                                            <p:cond delay="0"/>
+                                          </p:stCondLst>
+                                        </p:cTn>
+                                        <p:tgtEl>
+                                          <p:spTgt spid="4">
+                                            <p:txEl>
+                                              <p:pRg st="0" end="0"/>
+                                            </p:txEl>
+                                          </p:spTgt>
+                                        </p:tgtEl>
+                                        <p:attrNameLst>
+                                          <p:attrName>style.visibility</p:attrName>
+                                        </p:attrNameLst>
+                                      </p:cBhvr>
+                                      <p:to>
+                                        <p:strVal val="visible"/>
+                                      </p:to>
+                                    </p:set>
+                                    <p:animEffect transition="in" filter="fade">
+                                      <p:cBhvr>
+                                        <p:cTn id="7" dur="500"/>
+                                        <p:tgtEl>
+                                          <p:spTgt spid="4">
+                                            <p:txEl>
+                                              <p:pRg st="0" end="0"/>
+                                            </p:txEl>
+                                          </p:spTgt>
+                                        </p:tgtEl>
+                                      </p:cBhvr>
+                                    </p:animEffect>
+                                  </p:childTnLst>
+                                </p:cTn>
+                              </p:par>
+                              <p:par>
+                                <p:cTn id="8" presetID="10" presetClass="entr" presetSubtype="0" fill="hold" grpId="0" nodeType="withEffect">
+                                  <p:stCondLst>
+                                    <p:cond delay="0"/>
+                                  </p:stCondLst>
+                                  <p:childTnLst>
+                                    <p:set>
+                                      <p:cBhvr>
+                                        <p:cTn id="9" dur="1" fill="hold">
                                           <p:stCondLst>
                                             <p:cond delay="0"/>
                                           </p:stCondLst>
@@ -7061,7 +5993,7 @@
                                     </p:set>
                                     <p:animEffect transition="in" filter="fade">
                                       <p:cBhvr>
-                                        <p:cTn id="7" dur="500"/>
+                                        <p:cTn id="10" dur="500"/>
                                         <p:tgtEl>
                                           <p:spTgt spid="4">
                                             <p:txEl>
@@ -7074,33 +6006,15 @@
                                   </p:childTnLst>
                                 </p:cTn>
                               </p:par>
-                            </p:childTnLst>
-                          </p:cTn>
-                        </p:par>
-                      </p:childTnLst>
-                    </p:cTn>
-                  </p:par>
-                  <p:par>
-                    <p:cTn id="8" fill="hold">
-                      <p:stCondLst>
-                        <p:cond delay="indefinite"/>
-                      </p:stCondLst>
-                      <p:childTnLst>
-                        <p:par>
-                          <p:cTn id="9" fill="hold">
-                            <p:stCondLst>
-                              <p:cond delay="0"/>
-                            </p:stCondLst>
-                            <p:childTnLst>
                               <p:par>
-                                <p:cTn id="10" presetID="10" presetClass="entr" presetSubtype="0" fill="hold" nodeType="clickEffect">
+                                <p:cTn id="11" presetID="10" presetClass="entr" presetSubtype="0" fill="hold" grpId="0" nodeType="withEffect">
                                   <p:stCondLst>
                                     <p:cond delay="0"/>
                                   </p:stCondLst>
                                   <p:childTnLst>
                                     <p:set>
                                       <p:cBhvr>
-                                        <p:cTn id="11" dur="1" fill="hold">
+                                        <p:cTn id="12" dur="1" fill="hold">
                                           <p:stCondLst>
                                             <p:cond delay="0"/>
                                           </p:stCondLst>
@@ -7122,7 +6036,7 @@
                                     </p:set>
                                     <p:animEffect transition="in" filter="fade">
                                       <p:cBhvr>
-                                        <p:cTn id="12" dur="500"/>
+                                        <p:cTn id="13" dur="500"/>
                                         <p:tgtEl>
                                           <p:spTgt spid="4">
                                             <p:txEl>
@@ -7142,26 +6056,26 @@
                     </p:cTn>
                   </p:par>
                   <p:par>
-                    <p:cTn id="13" fill="hold">
+                    <p:cTn id="14" fill="hold">
                       <p:stCondLst>
                         <p:cond delay="indefinite"/>
                       </p:stCondLst>
                       <p:childTnLst>
                         <p:par>
-                          <p:cTn id="14" fill="hold">
+                          <p:cTn id="15" fill="hold">
                             <p:stCondLst>
                               <p:cond delay="0"/>
                             </p:stCondLst>
                             <p:childTnLst>
                               <p:par>
-                                <p:cTn id="15" presetID="10" presetClass="entr" presetSubtype="0" fill="hold" nodeType="clickEffect">
+                                <p:cTn id="16" presetID="10" presetClass="entr" presetSubtype="0" fill="hold" grpId="0" nodeType="clickEffect">
                                   <p:stCondLst>
                                     <p:cond delay="0"/>
                                   </p:stCondLst>
                                   <p:childTnLst>
                                     <p:set>
                                       <p:cBhvr>
-                                        <p:cTn id="16" dur="1" fill="hold">
+                                        <p:cTn id="17" dur="1" fill="hold">
                                           <p:stCondLst>
                                             <p:cond delay="0"/>
                                           </p:stCondLst>
@@ -7183,7 +6097,7 @@
                                     </p:set>
                                     <p:animEffect transition="in" filter="fade">
                                       <p:cBhvr>
-                                        <p:cTn id="17" dur="500"/>
+                                        <p:cTn id="18" dur="500"/>
                                         <p:tgtEl>
                                           <p:spTgt spid="4">
                                             <p:txEl>
@@ -7203,26 +6117,26 @@
                     </p:cTn>
                   </p:par>
                   <p:par>
-                    <p:cTn id="18" fill="hold">
+                    <p:cTn id="19" fill="hold">
                       <p:stCondLst>
                         <p:cond delay="indefinite"/>
                       </p:stCondLst>
                       <p:childTnLst>
                         <p:par>
-                          <p:cTn id="19" fill="hold">
+                          <p:cTn id="20" fill="hold">
                             <p:stCondLst>
                               <p:cond delay="0"/>
                             </p:stCondLst>
                             <p:childTnLst>
                               <p:par>
-                                <p:cTn id="20" presetID="10" presetClass="entr" presetSubtype="0" fill="hold" nodeType="clickEffect">
+                                <p:cTn id="21" presetID="10" presetClass="entr" presetSubtype="0" fill="hold" grpId="0" nodeType="clickEffect">
                                   <p:stCondLst>
                                     <p:cond delay="0"/>
                                   </p:stCondLst>
                                   <p:childTnLst>
                                     <p:set>
                                       <p:cBhvr>
-                                        <p:cTn id="21" dur="1" fill="hold">
+                                        <p:cTn id="22" dur="1" fill="hold">
                                           <p:stCondLst>
                                             <p:cond delay="0"/>
                                           </p:stCondLst>
@@ -7244,7 +6158,7 @@
                                     </p:set>
                                     <p:animEffect transition="in" filter="fade">
                                       <p:cBhvr>
-                                        <p:cTn id="22" dur="500"/>
+                                        <p:cTn id="23" dur="500"/>
                                         <p:tgtEl>
                                           <p:spTgt spid="4">
                                             <p:txEl>
@@ -7264,26 +6178,26 @@
                     </p:cTn>
                   </p:par>
                   <p:par>
-                    <p:cTn id="23" fill="hold">
+                    <p:cTn id="24" fill="hold">
                       <p:stCondLst>
                         <p:cond delay="indefinite"/>
                       </p:stCondLst>
                       <p:childTnLst>
                         <p:par>
-                          <p:cTn id="24" fill="hold">
+                          <p:cTn id="25" fill="hold">
                             <p:stCondLst>
                               <p:cond delay="0"/>
                             </p:stCondLst>
                             <p:childTnLst>
                               <p:par>
-                                <p:cTn id="25" presetID="10" presetClass="entr" presetSubtype="0" fill="hold" nodeType="clickEffect">
+                                <p:cTn id="26" presetID="10" presetClass="entr" presetSubtype="0" fill="hold" grpId="0" nodeType="clickEffect">
                                   <p:stCondLst>
                                     <p:cond delay="0"/>
                                   </p:stCondLst>
                                   <p:childTnLst>
                                     <p:set>
                                       <p:cBhvr>
-                                        <p:cTn id="26" dur="1" fill="hold">
+                                        <p:cTn id="27" dur="1" fill="hold">
                                           <p:stCondLst>
                                             <p:cond delay="0"/>
                                           </p:stCondLst>
@@ -7305,11 +6219,72 @@
                                     </p:set>
                                     <p:animEffect transition="in" filter="fade">
                                       <p:cBhvr>
-                                        <p:cTn id="27" dur="500"/>
+                                        <p:cTn id="28" dur="500"/>
                                         <p:tgtEl>
                                           <p:spTgt spid="4">
                                             <p:txEl>
                                               <p:pRg st="5" end="5"/>
+                                            </p:txEl>
+                                          </p:spTgt>
+                                        </p:tgtEl>
+                                      </p:cBhvr>
+                                    </p:animEffect>
+                                  </p:childTnLst>
+                                </p:cTn>
+                              </p:par>
+                            </p:childTnLst>
+                          </p:cTn>
+                        </p:par>
+                      </p:childTnLst>
+                    </p:cTn>
+                  </p:par>
+                  <p:par>
+                    <p:cTn id="29" fill="hold">
+                      <p:stCondLst>
+                        <p:cond delay="indefinite"/>
+                      </p:stCondLst>
+                      <p:childTnLst>
+                        <p:par>
+                          <p:cTn id="30" fill="hold">
+                            <p:stCondLst>
+                              <p:cond delay="0"/>
+                            </p:stCondLst>
+                            <p:childTnLst>
+                              <p:par>
+                                <p:cTn id="31" presetID="10" presetClass="entr" presetSubtype="0" fill="hold" grpId="0" nodeType="clickEffect">
+                                  <p:stCondLst>
+                                    <p:cond delay="0"/>
+                                  </p:stCondLst>
+                                  <p:childTnLst>
+                                    <p:set>
+                                      <p:cBhvr>
+                                        <p:cTn id="32" dur="1" fill="hold">
+                                          <p:stCondLst>
+                                            <p:cond delay="0"/>
+                                          </p:stCondLst>
+                                        </p:cTn>
+                                        <p:tgtEl>
+                                          <p:spTgt spid="4">
+                                            <p:txEl>
+                                              <p:pRg st="6" end="6"/>
+                                            </p:txEl>
+                                          </p:spTgt>
+                                        </p:tgtEl>
+                                        <p:attrNameLst>
+                                          <p:attrName>style.visibility</p:attrName>
+                                        </p:attrNameLst>
+                                      </p:cBhvr>
+                                      <p:to>
+                                        <p:strVal val="visible"/>
+                                      </p:to>
+                                    </p:set>
+                                    <p:animEffect transition="in" filter="fade">
+                                      <p:cBhvr>
+                                        <p:cTn id="33" dur="500"/>
+                                        <p:tgtEl>
+                                          <p:spTgt spid="4">
+                                            <p:txEl>
+                                              <p:pRg st="6" end="6"/>
                                             </p:txEl>
                                           </p:spTgt>
                                         </p:tgtEl>
@@ -7345,11 +6320,14 @@
         </p:cTn>
       </p:par>
     </p:tnLst>
+    <p:bldLst>
+      <p:bldP spid="4" grpId="0" build="p"/>
+    </p:bldLst>
   </p:timing>
 </p:sld>
 </file>
 
-<file path=ppt/slides/slide12.xml><?xml version="1.0" encoding="utf-8"?>
+<file path=ppt/slides/slide11.xml><?xml version="1.0" encoding="utf-8"?>
 <p:sld xmlns:a="http://schemas.openxmlformats.org/drawingml/2006/main" xmlns:r="http://schemas.openxmlformats.org/officeDocument/2006/relationships" xmlns:p="http://schemas.openxmlformats.org/presentationml/2006/main">
   <p:cSld>
     <p:spTree>
@@ -7366,42 +6344,6 @@
           <a:chExt cx="0" cy="0"/>
         </a:xfrm>
       </p:grpSpPr>
-      <p:sp>
-        <p:nvSpPr>
-          <p:cNvPr id="8" name="TextBox 7">
-            <a:extLst>
-              <a:ext uri="{FF2B5EF4-FFF2-40B4-BE49-F238E27FC236}">
-                <a16:creationId xmlns:a16="http://schemas.microsoft.com/office/drawing/2014/main" id="{B9FF8AFD-6231-44D9-A2EA-B344F2E5797F}"/>
-              </a:ext>
-            </a:extLst>
-          </p:cNvPr>
-          <p:cNvSpPr txBox="1"/>
-          <p:nvPr/>
-        </p:nvSpPr>
-        <p:spPr>
-          <a:xfrm>
-            <a:off x="-1" y="5449941"/>
-            <a:ext cx="12192000" cy="1394549"/>
-          </a:xfrm>
-          <a:prstGeom prst="rect">
-            <a:avLst/>
-          </a:prstGeom>
-          <a:noFill/>
-        </p:spPr>
-        <p:txBody>
-          <a:bodyPr wrap="square" rtlCol="0" anchor="ctr">
-            <a:noAutofit/>
-          </a:bodyPr>
-          <a:lstStyle/>
-          <a:p>
-            <a:pPr algn="ctr"/>
-            <a:r>
-              <a:rPr lang="ru-RU" sz="2400" dirty="0"/>
-              <a:t>+ свой контроль за параллелизмом</a:t>
-            </a:r>
-          </a:p>
-        </p:txBody>
-      </p:sp>
       <p:sp>
         <p:nvSpPr>
           <p:cNvPr id="26" name="Rectangle 25">
@@ -7505,7 +6447,7 @@
         <p:spPr>
           <a:xfrm>
             <a:off x="10885373" y="8967"/>
-            <a:ext cx="1320800" cy="6840066"/>
+            <a:ext cx="1320800" cy="6300393"/>
           </a:xfrm>
           <a:prstGeom prst="rect">
             <a:avLst/>
@@ -7569,7 +6511,7 @@
         <p:spPr>
           <a:xfrm>
             <a:off x="0" y="8967"/>
-            <a:ext cx="1320800" cy="6840066"/>
+            <a:ext cx="1320800" cy="6300393"/>
           </a:xfrm>
           <a:prstGeom prst="rect">
             <a:avLst/>
@@ -7614,7 +6556,7 @@
           <a:lstStyle/>
           <a:p>
             <a:pPr algn="ctr"/>
-            <a:endParaRPr lang="ru-RU"/>
+            <a:endParaRPr lang="ru-RU" dirty="0"/>
           </a:p>
         </p:txBody>
       </p:sp>
@@ -7658,96 +6600,10 @@
   <p:clrMapOvr>
     <a:masterClrMapping/>
   </p:clrMapOvr>
-  <p:timing>
-    <p:tnLst>
-      <p:par>
-        <p:cTn id="1" dur="indefinite" restart="never" nodeType="tmRoot">
-          <p:childTnLst>
-            <p:seq concurrent="1" nextAc="seek">
-              <p:cTn id="2" dur="indefinite" nodeType="mainSeq">
-                <p:childTnLst>
-                  <p:par>
-                    <p:cTn id="3" fill="hold">
-                      <p:stCondLst>
-                        <p:cond delay="indefinite"/>
-                      </p:stCondLst>
-                      <p:childTnLst>
-                        <p:par>
-                          <p:cTn id="4" fill="hold">
-                            <p:stCondLst>
-                              <p:cond delay="0"/>
-                            </p:stCondLst>
-                            <p:childTnLst>
-                              <p:par>
-                                <p:cTn id="5" presetID="10" presetClass="entr" presetSubtype="0" fill="hold" grpId="0" nodeType="clickEffect">
-                                  <p:stCondLst>
-                                    <p:cond delay="0"/>
-                                  </p:stCondLst>
-                                  <p:childTnLst>
-                                    <p:set>
-                                      <p:cBhvr>
-                                        <p:cTn id="6" dur="1" fill="hold">
-                                          <p:stCondLst>
-                                            <p:cond delay="0"/>
-                                          </p:stCondLst>
-                                        </p:cTn>
-                                        <p:tgtEl>
-                                          <p:spTgt spid="8"/>
-                                        </p:tgtEl>
-                                        <p:attrNameLst>
-                                          <p:attrName>style.visibility</p:attrName>
-                                        </p:attrNameLst>
-                                      </p:cBhvr>
-                                      <p:to>
-                                        <p:strVal val="visible"/>
-                                      </p:to>
-                                    </p:set>
-                                    <p:animEffect transition="in" filter="fade">
-                                      <p:cBhvr>
-                                        <p:cTn id="7" dur="500"/>
-                                        <p:tgtEl>
-                                          <p:spTgt spid="8"/>
-                                        </p:tgtEl>
-                                      </p:cBhvr>
-                                    </p:animEffect>
-                                  </p:childTnLst>
-                                </p:cTn>
-                              </p:par>
-                            </p:childTnLst>
-                          </p:cTn>
-                        </p:par>
-                      </p:childTnLst>
-                    </p:cTn>
-                  </p:par>
-                </p:childTnLst>
-              </p:cTn>
-              <p:prevCondLst>
-                <p:cond evt="onPrev" delay="0">
-                  <p:tgtEl>
-                    <p:sldTgt/>
-                  </p:tgtEl>
-                </p:cond>
-              </p:prevCondLst>
-              <p:nextCondLst>
-                <p:cond evt="onNext" delay="0">
-                  <p:tgtEl>
-                    <p:sldTgt/>
-                  </p:tgtEl>
-                </p:cond>
-              </p:nextCondLst>
-            </p:seq>
-          </p:childTnLst>
-        </p:cTn>
-      </p:par>
-    </p:tnLst>
-    <p:bldLst>
-      <p:bldP spid="8" grpId="0"/>
-    </p:bldLst>
-  </p:timing>
 </p:sld>
 </file>
 
-<file path=ppt/slides/slide13.xml><?xml version="1.0" encoding="utf-8"?>
+<file path=ppt/slides/slide12.xml><?xml version="1.0" encoding="utf-8"?>
 <p:sld xmlns:a="http://schemas.openxmlformats.org/drawingml/2006/main" xmlns:r="http://schemas.openxmlformats.org/officeDocument/2006/relationships" xmlns:p="http://schemas.openxmlformats.org/presentationml/2006/main">
   <p:cSld>
     <p:spTree>
@@ -7862,103 +6718,7 @@
 </p:sld>
 </file>
 
-<file path=ppt/slides/slide14.xml><?xml version="1.0" encoding="utf-8"?>
-<p:sld xmlns:a="http://schemas.openxmlformats.org/drawingml/2006/main" xmlns:r="http://schemas.openxmlformats.org/officeDocument/2006/relationships" xmlns:p="http://schemas.openxmlformats.org/presentationml/2006/main">
-  <p:cSld>
-    <p:spTree>
-      <p:nvGrpSpPr>
-        <p:cNvPr id="1" name=""/>
-        <p:cNvGrpSpPr/>
-        <p:nvPr/>
-      </p:nvGrpSpPr>
-      <p:grpSpPr>
-        <a:xfrm>
-          <a:off x="0" y="0"/>
-          <a:ext cx="0" cy="0"/>
-          <a:chOff x="0" y="0"/>
-          <a:chExt cx="0" cy="0"/>
-        </a:xfrm>
-      </p:grpSpPr>
-      <p:pic>
-        <p:nvPicPr>
-          <p:cNvPr id="2" name="Рисунок 1">
-            <a:extLst>
-              <a:ext uri="{FF2B5EF4-FFF2-40B4-BE49-F238E27FC236}">
-                <a16:creationId xmlns:a16="http://schemas.microsoft.com/office/drawing/2014/main" id="{78C9B130-5836-4BD3-B23B-ED8F8CB8086A}"/>
-              </a:ext>
-            </a:extLst>
-          </p:cNvPr>
-          <p:cNvPicPr>
-            <a:picLocks noChangeAspect="1"/>
-          </p:cNvPicPr>
-          <p:nvPr/>
-        </p:nvPicPr>
-        <p:blipFill>
-          <a:blip r:embed="rId2"/>
-          <a:stretch>
-            <a:fillRect/>
-          </a:stretch>
-        </p:blipFill>
-        <p:spPr>
-          <a:xfrm>
-            <a:off x="1879600" y="1687919"/>
-            <a:ext cx="8229600" cy="4588075"/>
-          </a:xfrm>
-          <a:prstGeom prst="rect">
-            <a:avLst/>
-          </a:prstGeom>
-        </p:spPr>
-      </p:pic>
-      <p:sp>
-        <p:nvSpPr>
-          <p:cNvPr id="5" name="TextBox 4">
-            <a:extLst>
-              <a:ext uri="{FF2B5EF4-FFF2-40B4-BE49-F238E27FC236}">
-                <a16:creationId xmlns:a16="http://schemas.microsoft.com/office/drawing/2014/main" id="{A7F2CB62-CB0A-4213-99D0-FCC30CA77A03}"/>
-              </a:ext>
-            </a:extLst>
-          </p:cNvPr>
-          <p:cNvSpPr txBox="1"/>
-          <p:nvPr/>
-        </p:nvSpPr>
-        <p:spPr>
-          <a:xfrm>
-            <a:off x="0" y="0"/>
-            <a:ext cx="12192000" cy="2001519"/>
-          </a:xfrm>
-          <a:prstGeom prst="rect">
-            <a:avLst/>
-          </a:prstGeom>
-          <a:noFill/>
-        </p:spPr>
-        <p:txBody>
-          <a:bodyPr wrap="square" rtlCol="0" anchor="ctr">
-            <a:noAutofit/>
-          </a:bodyPr>
-          <a:lstStyle/>
-          <a:p>
-            <a:pPr algn="ctr"/>
-            <a:r>
-              <a:rPr lang="ru-RU" sz="3200" dirty="0"/>
-              <a:t>Основные идеи</a:t>
-            </a:r>
-          </a:p>
-        </p:txBody>
-      </p:sp>
-    </p:spTree>
-    <p:extLst>
-      <p:ext uri="{BB962C8B-B14F-4D97-AF65-F5344CB8AC3E}">
-        <p14:creationId xmlns:p14="http://schemas.microsoft.com/office/powerpoint/2010/main" val="1221691349"/>
-      </p:ext>
-    </p:extLst>
-  </p:cSld>
-  <p:clrMapOvr>
-    <a:masterClrMapping/>
-  </p:clrMapOvr>
-</p:sld>
-</file>
-
-<file path=ppt/slides/slide15.xml><?xml version="1.0" encoding="utf-8"?>
+<file path=ppt/slides/slide13.xml><?xml version="1.0" encoding="utf-8"?>
 <p:sld xmlns:a="http://schemas.openxmlformats.org/drawingml/2006/main" xmlns:r="http://schemas.openxmlformats.org/officeDocument/2006/relationships" xmlns:p="http://schemas.openxmlformats.org/presentationml/2006/main">
   <p:cSld>
     <p:spTree>
@@ -8482,7 +7242,7 @@
 </p:sld>
 </file>
 
-<file path=ppt/slides/slide16.xml><?xml version="1.0" encoding="utf-8"?>
+<file path=ppt/slides/slide14.xml><?xml version="1.0" encoding="utf-8"?>
 <p:sld xmlns:a="http://schemas.openxmlformats.org/drawingml/2006/main" xmlns:r="http://schemas.openxmlformats.org/officeDocument/2006/relationships" xmlns:p="http://schemas.openxmlformats.org/presentationml/2006/main">
   <p:cSld>
     <p:spTree>
@@ -9769,7 +8529,7 @@
 </p:sld>
 </file>
 
-<file path=ppt/slides/slide17.xml><?xml version="1.0" encoding="utf-8"?>
+<file path=ppt/slides/slide15.xml><?xml version="1.0" encoding="utf-8"?>
 <p:sld xmlns:a="http://schemas.openxmlformats.org/drawingml/2006/main" xmlns:r="http://schemas.openxmlformats.org/officeDocument/2006/relationships" xmlns:p="http://schemas.openxmlformats.org/presentationml/2006/main">
   <p:cSld>
     <p:spTree>
@@ -9786,48 +8546,12 @@
           <a:chExt cx="0" cy="0"/>
         </a:xfrm>
       </p:grpSpPr>
-      <p:sp>
-        <p:nvSpPr>
-          <p:cNvPr id="8" name="TextBox 7">
+      <p:pic>
+        <p:nvPicPr>
+          <p:cNvPr id="2" name="Рисунок 1">
             <a:extLst>
               <a:ext uri="{FF2B5EF4-FFF2-40B4-BE49-F238E27FC236}">
-                <a16:creationId xmlns:a16="http://schemas.microsoft.com/office/drawing/2014/main" id="{783B2213-8E7F-4DE5-86BE-81453FFF517C}"/>
-              </a:ext>
-            </a:extLst>
-          </p:cNvPr>
-          <p:cNvSpPr txBox="1"/>
-          <p:nvPr/>
-        </p:nvSpPr>
-        <p:spPr>
-          <a:xfrm>
-            <a:off x="0" y="8967"/>
-            <a:ext cx="12192000" cy="1678490"/>
-          </a:xfrm>
-          <a:prstGeom prst="rect">
-            <a:avLst/>
-          </a:prstGeom>
-          <a:noFill/>
-        </p:spPr>
-        <p:txBody>
-          <a:bodyPr wrap="square" rtlCol="0" anchor="ctr">
-            <a:noAutofit/>
-          </a:bodyPr>
-          <a:lstStyle/>
-          <a:p>
-            <a:pPr algn="ctr"/>
-            <a:r>
-              <a:rPr lang="ru-RU" sz="3200" dirty="0"/>
-              <a:t>Унификация вызова</a:t>
-            </a:r>
-          </a:p>
-        </p:txBody>
-      </p:sp>
-      <p:pic>
-        <p:nvPicPr>
-          <p:cNvPr id="3" name="Рисунок 2">
-            <a:extLst>
-              <a:ext uri="{FF2B5EF4-FFF2-40B4-BE49-F238E27FC236}">
-                <a16:creationId xmlns:a16="http://schemas.microsoft.com/office/drawing/2014/main" id="{A55EF1B9-8F77-4007-9096-94139BE8419F}"/>
+                <a16:creationId xmlns:a16="http://schemas.microsoft.com/office/drawing/2014/main" id="{78C9B130-5836-4BD3-B23B-ED8F8CB8086A}"/>
               </a:ext>
             </a:extLst>
           </p:cNvPr>
@@ -9844,80 +8568,20 @@
         </p:blipFill>
         <p:spPr>
           <a:xfrm>
-            <a:off x="2420416" y="2221648"/>
-            <a:ext cx="7351168" cy="2414704"/>
+            <a:off x="1879600" y="1687919"/>
+            <a:ext cx="8229600" cy="4588075"/>
           </a:xfrm>
           <a:prstGeom prst="rect">
             <a:avLst/>
           </a:prstGeom>
         </p:spPr>
       </p:pic>
-      <p:pic>
-        <p:nvPicPr>
-          <p:cNvPr id="6" name="Рисунок 5">
+      <p:sp>
+        <p:nvSpPr>
+          <p:cNvPr id="5" name="TextBox 4">
             <a:extLst>
               <a:ext uri="{FF2B5EF4-FFF2-40B4-BE49-F238E27FC236}">
-                <a16:creationId xmlns:a16="http://schemas.microsoft.com/office/drawing/2014/main" id="{2A4B4CDE-A3D4-43CA-992A-605E0BC59ED5}"/>
-              </a:ext>
-            </a:extLst>
-          </p:cNvPr>
-          <p:cNvPicPr>
-            <a:picLocks noChangeAspect="1"/>
-          </p:cNvPicPr>
-          <p:nvPr/>
-        </p:nvPicPr>
-        <p:blipFill>
-          <a:blip r:embed="rId3"/>
-          <a:stretch>
-            <a:fillRect/>
-          </a:stretch>
-        </p:blipFill>
-        <p:spPr>
-          <a:xfrm>
-            <a:off x="3651015" y="5170543"/>
-            <a:ext cx="4720825" cy="405021"/>
-          </a:xfrm>
-          <a:prstGeom prst="rect">
-            <a:avLst/>
-          </a:prstGeom>
-        </p:spPr>
-      </p:pic>
-    </p:spTree>
-    <p:extLst>
-      <p:ext uri="{BB962C8B-B14F-4D97-AF65-F5344CB8AC3E}">
-        <p14:creationId xmlns:p14="http://schemas.microsoft.com/office/powerpoint/2010/main" val="3665130047"/>
-      </p:ext>
-    </p:extLst>
-  </p:cSld>
-  <p:clrMapOvr>
-    <a:masterClrMapping/>
-  </p:clrMapOvr>
-</p:sld>
-</file>
-
-<file path=ppt/slides/slide18.xml><?xml version="1.0" encoding="utf-8"?>
-<p:sld xmlns:a="http://schemas.openxmlformats.org/drawingml/2006/main" xmlns:r="http://schemas.openxmlformats.org/officeDocument/2006/relationships" xmlns:p="http://schemas.openxmlformats.org/presentationml/2006/main">
-  <p:cSld>
-    <p:spTree>
-      <p:nvGrpSpPr>
-        <p:cNvPr id="1" name=""/>
-        <p:cNvGrpSpPr/>
-        <p:nvPr/>
-      </p:nvGrpSpPr>
-      <p:grpSpPr>
-        <a:xfrm>
-          <a:off x="0" y="0"/>
-          <a:ext cx="0" cy="0"/>
-          <a:chOff x="0" y="0"/>
-          <a:chExt cx="0" cy="0"/>
-        </a:xfrm>
-      </p:grpSpPr>
-      <p:sp>
-        <p:nvSpPr>
-          <p:cNvPr id="8" name="TextBox 7">
-            <a:extLst>
-              <a:ext uri="{FF2B5EF4-FFF2-40B4-BE49-F238E27FC236}">
-                <a16:creationId xmlns:a16="http://schemas.microsoft.com/office/drawing/2014/main" id="{783B2213-8E7F-4DE5-86BE-81453FFF517C}"/>
+                <a16:creationId xmlns:a16="http://schemas.microsoft.com/office/drawing/2014/main" id="{A7F2CB62-CB0A-4213-99D0-FCC30CA77A03}"/>
               </a:ext>
             </a:extLst>
           </p:cNvPr>
@@ -9926,8 +8590,8 @@
         </p:nvSpPr>
         <p:spPr>
           <a:xfrm>
-            <a:off x="0" y="8967"/>
-            <a:ext cx="12192000" cy="1678490"/>
+            <a:off x="0" y="0"/>
+            <a:ext cx="12192000" cy="2001519"/>
           </a:xfrm>
           <a:prstGeom prst="rect">
             <a:avLst/>
@@ -9943,75 +8607,15 @@
             <a:pPr algn="ctr"/>
             <a:r>
               <a:rPr lang="ru-RU" sz="3200" dirty="0"/>
-              <a:t>Защита от блокировки пула</a:t>
+              <a:t>Код</a:t>
             </a:r>
           </a:p>
         </p:txBody>
       </p:sp>
-      <p:pic>
-        <p:nvPicPr>
-          <p:cNvPr id="3" name="Рисунок 2">
-            <a:extLst>
-              <a:ext uri="{FF2B5EF4-FFF2-40B4-BE49-F238E27FC236}">
-                <a16:creationId xmlns:a16="http://schemas.microsoft.com/office/drawing/2014/main" id="{A55EF1B9-8F77-4007-9096-94139BE8419F}"/>
-              </a:ext>
-            </a:extLst>
-          </p:cNvPr>
-          <p:cNvPicPr>
-            <a:picLocks noChangeAspect="1"/>
-          </p:cNvPicPr>
-          <p:nvPr/>
-        </p:nvPicPr>
-        <p:blipFill>
-          <a:blip r:embed="rId2"/>
-          <a:stretch>
-            <a:fillRect/>
-          </a:stretch>
-        </p:blipFill>
-        <p:spPr>
-          <a:xfrm>
-            <a:off x="2420416" y="2221648"/>
-            <a:ext cx="7351168" cy="2414704"/>
-          </a:xfrm>
-          <a:prstGeom prst="rect">
-            <a:avLst/>
-          </a:prstGeom>
-        </p:spPr>
-      </p:pic>
-      <p:pic>
-        <p:nvPicPr>
-          <p:cNvPr id="6" name="Рисунок 5">
-            <a:extLst>
-              <a:ext uri="{FF2B5EF4-FFF2-40B4-BE49-F238E27FC236}">
-                <a16:creationId xmlns:a16="http://schemas.microsoft.com/office/drawing/2014/main" id="{2A4B4CDE-A3D4-43CA-992A-605E0BC59ED5}"/>
-              </a:ext>
-            </a:extLst>
-          </p:cNvPr>
-          <p:cNvPicPr>
-            <a:picLocks noChangeAspect="1"/>
-          </p:cNvPicPr>
-          <p:nvPr/>
-        </p:nvPicPr>
-        <p:blipFill>
-          <a:blip r:embed="rId3"/>
-          <a:stretch>
-            <a:fillRect/>
-          </a:stretch>
-        </p:blipFill>
-        <p:spPr>
-          <a:xfrm>
-            <a:off x="3651015" y="5170543"/>
-            <a:ext cx="4720825" cy="405021"/>
-          </a:xfrm>
-          <a:prstGeom prst="rect">
-            <a:avLst/>
-          </a:prstGeom>
-        </p:spPr>
-      </p:pic>
     </p:spTree>
     <p:extLst>
       <p:ext uri="{BB962C8B-B14F-4D97-AF65-F5344CB8AC3E}">
-        <p14:creationId xmlns:p14="http://schemas.microsoft.com/office/powerpoint/2010/main" val="363276745"/>
+        <p14:creationId xmlns:p14="http://schemas.microsoft.com/office/powerpoint/2010/main" val="1221691349"/>
       </p:ext>
     </p:extLst>
   </p:cSld>
@@ -10021,7 +8625,7 @@
 </p:sld>
 </file>
 
-<file path=ppt/slides/slide19.xml><?xml version="1.0" encoding="utf-8"?>
+<file path=ppt/slides/slide16.xml><?xml version="1.0" encoding="utf-8"?>
 <p:sld xmlns:a="http://schemas.openxmlformats.org/drawingml/2006/main" xmlns:r="http://schemas.openxmlformats.org/officeDocument/2006/relationships" xmlns:p="http://schemas.openxmlformats.org/presentationml/2006/main">
   <p:cSld>
     <p:spTree>
@@ -10078,6 +8682,484 @@
     <p:extLst>
       <p:ext uri="{BB962C8B-B14F-4D97-AF65-F5344CB8AC3E}">
         <p14:creationId xmlns:p14="http://schemas.microsoft.com/office/powerpoint/2010/main" val="3678866164"/>
+      </p:ext>
+    </p:extLst>
+  </p:cSld>
+  <p:clrMapOvr>
+    <a:masterClrMapping/>
+  </p:clrMapOvr>
+</p:sld>
+</file>
+
+<file path=ppt/slides/slide17.xml><?xml version="1.0" encoding="utf-8"?>
+<p:sld xmlns:a="http://schemas.openxmlformats.org/drawingml/2006/main" xmlns:r="http://schemas.openxmlformats.org/officeDocument/2006/relationships" xmlns:p="http://schemas.openxmlformats.org/presentationml/2006/main">
+  <p:cSld>
+    <p:spTree>
+      <p:nvGrpSpPr>
+        <p:cNvPr id="1" name=""/>
+        <p:cNvGrpSpPr/>
+        <p:nvPr/>
+      </p:nvGrpSpPr>
+      <p:grpSpPr>
+        <a:xfrm>
+          <a:off x="0" y="0"/>
+          <a:ext cx="0" cy="0"/>
+          <a:chOff x="0" y="0"/>
+          <a:chExt cx="0" cy="0"/>
+        </a:xfrm>
+      </p:grpSpPr>
+      <p:sp>
+        <p:nvSpPr>
+          <p:cNvPr id="4" name="Текст 3">
+            <a:extLst>
+              <a:ext uri="{FF2B5EF4-FFF2-40B4-BE49-F238E27FC236}">
+                <a16:creationId xmlns:a16="http://schemas.microsoft.com/office/drawing/2014/main" id="{C54EF961-7CE5-4B18-95FA-B194A6DF3E58}"/>
+              </a:ext>
+            </a:extLst>
+          </p:cNvPr>
+          <p:cNvSpPr>
+            <a:spLocks noGrp="1"/>
+          </p:cNvSpPr>
+          <p:nvPr>
+            <p:ph type="body" sz="quarter" idx="4294967295"/>
+          </p:nvPr>
+        </p:nvSpPr>
+        <p:spPr>
+          <a:xfrm>
+            <a:off x="1971040" y="1687457"/>
+            <a:ext cx="8239760" cy="3798943"/>
+          </a:xfrm>
+          <a:prstGeom prst="rect">
+            <a:avLst/>
+          </a:prstGeom>
+        </p:spPr>
+        <p:txBody>
+          <a:bodyPr/>
+          <a:lstStyle/>
+          <a:p>
+            <a:r>
+              <a:rPr lang="ru-RU" sz="2000" dirty="0"/>
+              <a:t>Если замечать проблемы, придёт понимание, как их решать</a:t>
+            </a:r>
+          </a:p>
+          <a:p>
+            <a:r>
+              <a:rPr lang="ru-RU" sz="2000" dirty="0"/>
+              <a:t>Можно менять стандартные, привычные механизмы</a:t>
+            </a:r>
+          </a:p>
+          <a:p>
+            <a:r>
+              <a:rPr lang="ru-RU" sz="2000" dirty="0"/>
+              <a:t>Решение может получиться лучше чем у профи в </a:t>
+            </a:r>
+            <a:r>
+              <a:rPr lang="en-US" sz="2000" dirty="0"/>
+              <a:t>.NET Team</a:t>
+            </a:r>
+          </a:p>
+          <a:p>
+            <a:r>
+              <a:rPr lang="ru-RU" sz="2000" dirty="0"/>
+              <a:t>Если не попробуешь – никогда не узнаешь.</a:t>
+            </a:r>
+            <a:endParaRPr lang="en-US" sz="2000" dirty="0"/>
+          </a:p>
+          <a:p>
+            <a:endParaRPr lang="ru-RU" sz="2000" dirty="0"/>
+          </a:p>
+        </p:txBody>
+      </p:sp>
+      <p:sp>
+        <p:nvSpPr>
+          <p:cNvPr id="8" name="TextBox 7">
+            <a:extLst>
+              <a:ext uri="{FF2B5EF4-FFF2-40B4-BE49-F238E27FC236}">
+                <a16:creationId xmlns:a16="http://schemas.microsoft.com/office/drawing/2014/main" id="{783B2213-8E7F-4DE5-86BE-81453FFF517C}"/>
+              </a:ext>
+            </a:extLst>
+          </p:cNvPr>
+          <p:cNvSpPr txBox="1"/>
+          <p:nvPr/>
+        </p:nvSpPr>
+        <p:spPr>
+          <a:xfrm>
+            <a:off x="0" y="8967"/>
+            <a:ext cx="12192000" cy="1678490"/>
+          </a:xfrm>
+          <a:prstGeom prst="rect">
+            <a:avLst/>
+          </a:prstGeom>
+          <a:noFill/>
+        </p:spPr>
+        <p:txBody>
+          <a:bodyPr wrap="square" rtlCol="0" anchor="ctr">
+            <a:noAutofit/>
+          </a:bodyPr>
+          <a:lstStyle/>
+          <a:p>
+            <a:pPr algn="ctr"/>
+            <a:r>
+              <a:rPr lang="ru-RU" sz="3200" dirty="0"/>
+              <a:t>Выводы</a:t>
+            </a:r>
+          </a:p>
+        </p:txBody>
+      </p:sp>
+    </p:spTree>
+    <p:extLst>
+      <p:ext uri="{BB962C8B-B14F-4D97-AF65-F5344CB8AC3E}">
+        <p14:creationId xmlns:p14="http://schemas.microsoft.com/office/powerpoint/2010/main" val="3866231404"/>
+      </p:ext>
+    </p:extLst>
+  </p:cSld>
+  <p:clrMapOvr>
+    <a:masterClrMapping/>
+  </p:clrMapOvr>
+  <p:timing>
+    <p:tnLst>
+      <p:par>
+        <p:cTn id="1" dur="indefinite" restart="never" nodeType="tmRoot">
+          <p:childTnLst>
+            <p:seq concurrent="1" nextAc="seek">
+              <p:cTn id="2" dur="indefinite" nodeType="mainSeq">
+                <p:childTnLst>
+                  <p:par>
+                    <p:cTn id="3" fill="hold">
+                      <p:stCondLst>
+                        <p:cond delay="indefinite"/>
+                      </p:stCondLst>
+                      <p:childTnLst>
+                        <p:par>
+                          <p:cTn id="4" fill="hold">
+                            <p:stCondLst>
+                              <p:cond delay="0"/>
+                            </p:stCondLst>
+                            <p:childTnLst>
+                              <p:par>
+                                <p:cTn id="5" presetID="10" presetClass="entr" presetSubtype="0" fill="hold" nodeType="clickEffect">
+                                  <p:stCondLst>
+                                    <p:cond delay="0"/>
+                                  </p:stCondLst>
+                                  <p:childTnLst>
+                                    <p:set>
+                                      <p:cBhvr>
+                                        <p:cTn id="6" dur="1" fill="hold">
+                                          <p:stCondLst>
+                                            <p:cond delay="0"/>
+                                          </p:stCondLst>
+                                        </p:cTn>
+                                        <p:tgtEl>
+                                          <p:spTgt spid="4">
+                                            <p:txEl>
+                                              <p:pRg st="0" end="0"/>
+                                            </p:txEl>
+                                          </p:spTgt>
+                                        </p:tgtEl>
+                                        <p:attrNameLst>
+                                          <p:attrName>style.visibility</p:attrName>
+                                        </p:attrNameLst>
+                                      </p:cBhvr>
+                                      <p:to>
+                                        <p:strVal val="visible"/>
+                                      </p:to>
+                                    </p:set>
+                                    <p:animEffect transition="in" filter="fade">
+                                      <p:cBhvr>
+                                        <p:cTn id="7" dur="500"/>
+                                        <p:tgtEl>
+                                          <p:spTgt spid="4">
+                                            <p:txEl>
+                                              <p:pRg st="0" end="0"/>
+                                            </p:txEl>
+                                          </p:spTgt>
+                                        </p:tgtEl>
+                                      </p:cBhvr>
+                                    </p:animEffect>
+                                  </p:childTnLst>
+                                </p:cTn>
+                              </p:par>
+                            </p:childTnLst>
+                          </p:cTn>
+                        </p:par>
+                      </p:childTnLst>
+                    </p:cTn>
+                  </p:par>
+                  <p:par>
+                    <p:cTn id="8" fill="hold">
+                      <p:stCondLst>
+                        <p:cond delay="indefinite"/>
+                      </p:stCondLst>
+                      <p:childTnLst>
+                        <p:par>
+                          <p:cTn id="9" fill="hold">
+                            <p:stCondLst>
+                              <p:cond delay="0"/>
+                            </p:stCondLst>
+                            <p:childTnLst>
+                              <p:par>
+                                <p:cTn id="10" presetID="10" presetClass="entr" presetSubtype="0" fill="hold" nodeType="clickEffect">
+                                  <p:stCondLst>
+                                    <p:cond delay="0"/>
+                                  </p:stCondLst>
+                                  <p:childTnLst>
+                                    <p:set>
+                                      <p:cBhvr>
+                                        <p:cTn id="11" dur="1" fill="hold">
+                                          <p:stCondLst>
+                                            <p:cond delay="0"/>
+                                          </p:stCondLst>
+                                        </p:cTn>
+                                        <p:tgtEl>
+                                          <p:spTgt spid="4">
+                                            <p:txEl>
+                                              <p:pRg st="1" end="1"/>
+                                            </p:txEl>
+                                          </p:spTgt>
+                                        </p:tgtEl>
+                                        <p:attrNameLst>
+                                          <p:attrName>style.visibility</p:attrName>
+                                        </p:attrNameLst>
+                                      </p:cBhvr>
+                                      <p:to>
+                                        <p:strVal val="visible"/>
+                                      </p:to>
+                                    </p:set>
+                                    <p:animEffect transition="in" filter="fade">
+                                      <p:cBhvr>
+                                        <p:cTn id="12" dur="500"/>
+                                        <p:tgtEl>
+                                          <p:spTgt spid="4">
+                                            <p:txEl>
+                                              <p:pRg st="1" end="1"/>
+                                            </p:txEl>
+                                          </p:spTgt>
+                                        </p:tgtEl>
+                                      </p:cBhvr>
+                                    </p:animEffect>
+                                  </p:childTnLst>
+                                </p:cTn>
+                              </p:par>
+                            </p:childTnLst>
+                          </p:cTn>
+                        </p:par>
+                      </p:childTnLst>
+                    </p:cTn>
+                  </p:par>
+                  <p:par>
+                    <p:cTn id="13" fill="hold">
+                      <p:stCondLst>
+                        <p:cond delay="indefinite"/>
+                      </p:stCondLst>
+                      <p:childTnLst>
+                        <p:par>
+                          <p:cTn id="14" fill="hold">
+                            <p:stCondLst>
+                              <p:cond delay="0"/>
+                            </p:stCondLst>
+                            <p:childTnLst>
+                              <p:par>
+                                <p:cTn id="15" presetID="10" presetClass="entr" presetSubtype="0" fill="hold" nodeType="clickEffect">
+                                  <p:stCondLst>
+                                    <p:cond delay="0"/>
+                                  </p:stCondLst>
+                                  <p:childTnLst>
+                                    <p:set>
+                                      <p:cBhvr>
+                                        <p:cTn id="16" dur="1" fill="hold">
+                                          <p:stCondLst>
+                                            <p:cond delay="0"/>
+                                          </p:stCondLst>
+                                        </p:cTn>
+                                        <p:tgtEl>
+                                          <p:spTgt spid="4">
+                                            <p:txEl>
+                                              <p:pRg st="2" end="2"/>
+                                            </p:txEl>
+                                          </p:spTgt>
+                                        </p:tgtEl>
+                                        <p:attrNameLst>
+                                          <p:attrName>style.visibility</p:attrName>
+                                        </p:attrNameLst>
+                                      </p:cBhvr>
+                                      <p:to>
+                                        <p:strVal val="visible"/>
+                                      </p:to>
+                                    </p:set>
+                                    <p:animEffect transition="in" filter="fade">
+                                      <p:cBhvr>
+                                        <p:cTn id="17" dur="500"/>
+                                        <p:tgtEl>
+                                          <p:spTgt spid="4">
+                                            <p:txEl>
+                                              <p:pRg st="2" end="2"/>
+                                            </p:txEl>
+                                          </p:spTgt>
+                                        </p:tgtEl>
+                                      </p:cBhvr>
+                                    </p:animEffect>
+                                  </p:childTnLst>
+                                </p:cTn>
+                              </p:par>
+                            </p:childTnLst>
+                          </p:cTn>
+                        </p:par>
+                      </p:childTnLst>
+                    </p:cTn>
+                  </p:par>
+                  <p:par>
+                    <p:cTn id="18" fill="hold">
+                      <p:stCondLst>
+                        <p:cond delay="indefinite"/>
+                      </p:stCondLst>
+                      <p:childTnLst>
+                        <p:par>
+                          <p:cTn id="19" fill="hold">
+                            <p:stCondLst>
+                              <p:cond delay="0"/>
+                            </p:stCondLst>
+                            <p:childTnLst>
+                              <p:par>
+                                <p:cTn id="20" presetID="10" presetClass="entr" presetSubtype="0" fill="hold" nodeType="clickEffect">
+                                  <p:stCondLst>
+                                    <p:cond delay="0"/>
+                                  </p:stCondLst>
+                                  <p:childTnLst>
+                                    <p:set>
+                                      <p:cBhvr>
+                                        <p:cTn id="21" dur="1" fill="hold">
+                                          <p:stCondLst>
+                                            <p:cond delay="0"/>
+                                          </p:stCondLst>
+                                        </p:cTn>
+                                        <p:tgtEl>
+                                          <p:spTgt spid="4">
+                                            <p:txEl>
+                                              <p:pRg st="3" end="3"/>
+                                            </p:txEl>
+                                          </p:spTgt>
+                                        </p:tgtEl>
+                                        <p:attrNameLst>
+                                          <p:attrName>style.visibility</p:attrName>
+                                        </p:attrNameLst>
+                                      </p:cBhvr>
+                                      <p:to>
+                                        <p:strVal val="visible"/>
+                                      </p:to>
+                                    </p:set>
+                                    <p:animEffect transition="in" filter="fade">
+                                      <p:cBhvr>
+                                        <p:cTn id="22" dur="500"/>
+                                        <p:tgtEl>
+                                          <p:spTgt spid="4">
+                                            <p:txEl>
+                                              <p:pRg st="3" end="3"/>
+                                            </p:txEl>
+                                          </p:spTgt>
+                                        </p:tgtEl>
+                                      </p:cBhvr>
+                                    </p:animEffect>
+                                  </p:childTnLst>
+                                </p:cTn>
+                              </p:par>
+                            </p:childTnLst>
+                          </p:cTn>
+                        </p:par>
+                      </p:childTnLst>
+                    </p:cTn>
+                  </p:par>
+                </p:childTnLst>
+              </p:cTn>
+              <p:prevCondLst>
+                <p:cond evt="onPrev" delay="0">
+                  <p:tgtEl>
+                    <p:sldTgt/>
+                  </p:tgtEl>
+                </p:cond>
+              </p:prevCondLst>
+              <p:nextCondLst>
+                <p:cond evt="onNext" delay="0">
+                  <p:tgtEl>
+                    <p:sldTgt/>
+                  </p:tgtEl>
+                </p:cond>
+              </p:nextCondLst>
+            </p:seq>
+          </p:childTnLst>
+        </p:cTn>
+      </p:par>
+    </p:tnLst>
+  </p:timing>
+</p:sld>
+</file>
+
+<file path=ppt/slides/slide18.xml><?xml version="1.0" encoding="utf-8"?>
+<p:sld xmlns:a="http://schemas.openxmlformats.org/drawingml/2006/main" xmlns:r="http://schemas.openxmlformats.org/officeDocument/2006/relationships" xmlns:p="http://schemas.openxmlformats.org/presentationml/2006/main">
+  <p:cSld>
+    <p:spTree>
+      <p:nvGrpSpPr>
+        <p:cNvPr id="1" name=""/>
+        <p:cNvGrpSpPr/>
+        <p:nvPr/>
+      </p:nvGrpSpPr>
+      <p:grpSpPr>
+        <a:xfrm>
+          <a:off x="0" y="0"/>
+          <a:ext cx="0" cy="0"/>
+          <a:chOff x="0" y="0"/>
+          <a:chExt cx="0" cy="0"/>
+        </a:xfrm>
+      </p:grpSpPr>
+      <p:sp>
+        <p:nvSpPr>
+          <p:cNvPr id="3" name="Title 2">
+            <a:extLst>
+              <a:ext uri="{FF2B5EF4-FFF2-40B4-BE49-F238E27FC236}">
+                <a16:creationId xmlns:a16="http://schemas.microsoft.com/office/drawing/2014/main" id="{8984C6A1-8B3D-4B10-B395-AB819092E7A5}"/>
+              </a:ext>
+            </a:extLst>
+          </p:cNvPr>
+          <p:cNvSpPr>
+            <a:spLocks noGrp="1"/>
+          </p:cNvSpPr>
+          <p:nvPr>
+            <p:ph type="title"/>
+          </p:nvPr>
+        </p:nvSpPr>
+        <p:spPr>
+          <a:xfrm>
+            <a:off x="838200" y="3038474"/>
+            <a:ext cx="10048875" cy="1133476"/>
+          </a:xfrm>
+        </p:spPr>
+        <p:txBody>
+          <a:bodyPr>
+            <a:noAutofit/>
+          </a:bodyPr>
+          <a:lstStyle/>
+          <a:p>
+            <a:pPr algn="ctr"/>
+            <a:r>
+              <a:rPr lang="en-US" sz="8000" dirty="0">
+                <a:solidFill>
+                  <a:schemeClr val="bg1"/>
+                </a:solidFill>
+                <a:latin typeface="Segoe UI Semibold" panose="020B0702040204020203" pitchFamily="34" charset="0"/>
+                <a:cs typeface="Segoe UI Semibold" panose="020B0702040204020203" pitchFamily="34" charset="0"/>
+              </a:rPr>
+              <a:t>QA</a:t>
+            </a:r>
+            <a:endParaRPr lang="en-US" sz="8000" dirty="0">
+              <a:latin typeface="Segoe UI Semibold" panose="020B0702040204020203" pitchFamily="34" charset="0"/>
+              <a:cs typeface="Segoe UI Semibold" panose="020B0702040204020203" pitchFamily="34" charset="0"/>
+            </a:endParaRPr>
+          </a:p>
+        </p:txBody>
+      </p:sp>
+    </p:spTree>
+    <p:extLst>
+      <p:ext uri="{BB962C8B-B14F-4D97-AF65-F5344CB8AC3E}">
+        <p14:creationId xmlns:p14="http://schemas.microsoft.com/office/powerpoint/2010/main" val="1335914801"/>
       </p:ext>
     </p:extLst>
   </p:cSld>
@@ -10869,484 +9951,6 @@
 </p:sld>
 </file>
 
-<file path=ppt/slides/slide20.xml><?xml version="1.0" encoding="utf-8"?>
-<p:sld xmlns:a="http://schemas.openxmlformats.org/drawingml/2006/main" xmlns:r="http://schemas.openxmlformats.org/officeDocument/2006/relationships" xmlns:p="http://schemas.openxmlformats.org/presentationml/2006/main">
-  <p:cSld>
-    <p:spTree>
-      <p:nvGrpSpPr>
-        <p:cNvPr id="1" name=""/>
-        <p:cNvGrpSpPr/>
-        <p:nvPr/>
-      </p:nvGrpSpPr>
-      <p:grpSpPr>
-        <a:xfrm>
-          <a:off x="0" y="0"/>
-          <a:ext cx="0" cy="0"/>
-          <a:chOff x="0" y="0"/>
-          <a:chExt cx="0" cy="0"/>
-        </a:xfrm>
-      </p:grpSpPr>
-      <p:sp>
-        <p:nvSpPr>
-          <p:cNvPr id="4" name="Текст 3">
-            <a:extLst>
-              <a:ext uri="{FF2B5EF4-FFF2-40B4-BE49-F238E27FC236}">
-                <a16:creationId xmlns:a16="http://schemas.microsoft.com/office/drawing/2014/main" id="{C54EF961-7CE5-4B18-95FA-B194A6DF3E58}"/>
-              </a:ext>
-            </a:extLst>
-          </p:cNvPr>
-          <p:cNvSpPr>
-            <a:spLocks noGrp="1"/>
-          </p:cNvSpPr>
-          <p:nvPr>
-            <p:ph type="body" sz="quarter" idx="4294967295"/>
-          </p:nvPr>
-        </p:nvSpPr>
-        <p:spPr>
-          <a:xfrm>
-            <a:off x="1971040" y="1687457"/>
-            <a:ext cx="8239760" cy="3798943"/>
-          </a:xfrm>
-          <a:prstGeom prst="rect">
-            <a:avLst/>
-          </a:prstGeom>
-        </p:spPr>
-        <p:txBody>
-          <a:bodyPr/>
-          <a:lstStyle/>
-          <a:p>
-            <a:r>
-              <a:rPr lang="ru-RU" sz="2000" dirty="0"/>
-              <a:t>Если замечать проблемы, придёт понимание, как их решать</a:t>
-            </a:r>
-          </a:p>
-          <a:p>
-            <a:r>
-              <a:rPr lang="ru-RU" sz="2000" dirty="0"/>
-              <a:t>Можно менять стандартные, привычные механизмы</a:t>
-            </a:r>
-          </a:p>
-          <a:p>
-            <a:r>
-              <a:rPr lang="ru-RU" sz="2000" dirty="0"/>
-              <a:t>Решение может получиться лучше чем у профи в </a:t>
-            </a:r>
-            <a:r>
-              <a:rPr lang="en-US" sz="2000" dirty="0"/>
-              <a:t>.NET Team</a:t>
-            </a:r>
-          </a:p>
-          <a:p>
-            <a:r>
-              <a:rPr lang="ru-RU" sz="2000" dirty="0"/>
-              <a:t>Если не попробуешь – никогда не узнаешь.</a:t>
-            </a:r>
-            <a:endParaRPr lang="en-US" sz="2000" dirty="0"/>
-          </a:p>
-          <a:p>
-            <a:endParaRPr lang="ru-RU" sz="2000" dirty="0"/>
-          </a:p>
-        </p:txBody>
-      </p:sp>
-      <p:sp>
-        <p:nvSpPr>
-          <p:cNvPr id="8" name="TextBox 7">
-            <a:extLst>
-              <a:ext uri="{FF2B5EF4-FFF2-40B4-BE49-F238E27FC236}">
-                <a16:creationId xmlns:a16="http://schemas.microsoft.com/office/drawing/2014/main" id="{783B2213-8E7F-4DE5-86BE-81453FFF517C}"/>
-              </a:ext>
-            </a:extLst>
-          </p:cNvPr>
-          <p:cNvSpPr txBox="1"/>
-          <p:nvPr/>
-        </p:nvSpPr>
-        <p:spPr>
-          <a:xfrm>
-            <a:off x="0" y="8967"/>
-            <a:ext cx="12192000" cy="1678490"/>
-          </a:xfrm>
-          <a:prstGeom prst="rect">
-            <a:avLst/>
-          </a:prstGeom>
-          <a:noFill/>
-        </p:spPr>
-        <p:txBody>
-          <a:bodyPr wrap="square" rtlCol="0" anchor="ctr">
-            <a:noAutofit/>
-          </a:bodyPr>
-          <a:lstStyle/>
-          <a:p>
-            <a:pPr algn="ctr"/>
-            <a:r>
-              <a:rPr lang="ru-RU" sz="3200" dirty="0"/>
-              <a:t>Выводы</a:t>
-            </a:r>
-          </a:p>
-        </p:txBody>
-      </p:sp>
-    </p:spTree>
-    <p:extLst>
-      <p:ext uri="{BB962C8B-B14F-4D97-AF65-F5344CB8AC3E}">
-        <p14:creationId xmlns:p14="http://schemas.microsoft.com/office/powerpoint/2010/main" val="3866231404"/>
-      </p:ext>
-    </p:extLst>
-  </p:cSld>
-  <p:clrMapOvr>
-    <a:masterClrMapping/>
-  </p:clrMapOvr>
-  <p:timing>
-    <p:tnLst>
-      <p:par>
-        <p:cTn id="1" dur="indefinite" restart="never" nodeType="tmRoot">
-          <p:childTnLst>
-            <p:seq concurrent="1" nextAc="seek">
-              <p:cTn id="2" dur="indefinite" nodeType="mainSeq">
-                <p:childTnLst>
-                  <p:par>
-                    <p:cTn id="3" fill="hold">
-                      <p:stCondLst>
-                        <p:cond delay="indefinite"/>
-                      </p:stCondLst>
-                      <p:childTnLst>
-                        <p:par>
-                          <p:cTn id="4" fill="hold">
-                            <p:stCondLst>
-                              <p:cond delay="0"/>
-                            </p:stCondLst>
-                            <p:childTnLst>
-                              <p:par>
-                                <p:cTn id="5" presetID="10" presetClass="entr" presetSubtype="0" fill="hold" nodeType="clickEffect">
-                                  <p:stCondLst>
-                                    <p:cond delay="0"/>
-                                  </p:stCondLst>
-                                  <p:childTnLst>
-                                    <p:set>
-                                      <p:cBhvr>
-                                        <p:cTn id="6" dur="1" fill="hold">
-                                          <p:stCondLst>
-                                            <p:cond delay="0"/>
-                                          </p:stCondLst>
-                                        </p:cTn>
-                                        <p:tgtEl>
-                                          <p:spTgt spid="4">
-                                            <p:txEl>
-                                              <p:pRg st="0" end="0"/>
-                                            </p:txEl>
-                                          </p:spTgt>
-                                        </p:tgtEl>
-                                        <p:attrNameLst>
-                                          <p:attrName>style.visibility</p:attrName>
-                                        </p:attrNameLst>
-                                      </p:cBhvr>
-                                      <p:to>
-                                        <p:strVal val="visible"/>
-                                      </p:to>
-                                    </p:set>
-                                    <p:animEffect transition="in" filter="fade">
-                                      <p:cBhvr>
-                                        <p:cTn id="7" dur="500"/>
-                                        <p:tgtEl>
-                                          <p:spTgt spid="4">
-                                            <p:txEl>
-                                              <p:pRg st="0" end="0"/>
-                                            </p:txEl>
-                                          </p:spTgt>
-                                        </p:tgtEl>
-                                      </p:cBhvr>
-                                    </p:animEffect>
-                                  </p:childTnLst>
-                                </p:cTn>
-                              </p:par>
-                            </p:childTnLst>
-                          </p:cTn>
-                        </p:par>
-                      </p:childTnLst>
-                    </p:cTn>
-                  </p:par>
-                  <p:par>
-                    <p:cTn id="8" fill="hold">
-                      <p:stCondLst>
-                        <p:cond delay="indefinite"/>
-                      </p:stCondLst>
-                      <p:childTnLst>
-                        <p:par>
-                          <p:cTn id="9" fill="hold">
-                            <p:stCondLst>
-                              <p:cond delay="0"/>
-                            </p:stCondLst>
-                            <p:childTnLst>
-                              <p:par>
-                                <p:cTn id="10" presetID="10" presetClass="entr" presetSubtype="0" fill="hold" nodeType="clickEffect">
-                                  <p:stCondLst>
-                                    <p:cond delay="0"/>
-                                  </p:stCondLst>
-                                  <p:childTnLst>
-                                    <p:set>
-                                      <p:cBhvr>
-                                        <p:cTn id="11" dur="1" fill="hold">
-                                          <p:stCondLst>
-                                            <p:cond delay="0"/>
-                                          </p:stCondLst>
-                                        </p:cTn>
-                                        <p:tgtEl>
-                                          <p:spTgt spid="4">
-                                            <p:txEl>
-                                              <p:pRg st="1" end="1"/>
-                                            </p:txEl>
-                                          </p:spTgt>
-                                        </p:tgtEl>
-                                        <p:attrNameLst>
-                                          <p:attrName>style.visibility</p:attrName>
-                                        </p:attrNameLst>
-                                      </p:cBhvr>
-                                      <p:to>
-                                        <p:strVal val="visible"/>
-                                      </p:to>
-                                    </p:set>
-                                    <p:animEffect transition="in" filter="fade">
-                                      <p:cBhvr>
-                                        <p:cTn id="12" dur="500"/>
-                                        <p:tgtEl>
-                                          <p:spTgt spid="4">
-                                            <p:txEl>
-                                              <p:pRg st="1" end="1"/>
-                                            </p:txEl>
-                                          </p:spTgt>
-                                        </p:tgtEl>
-                                      </p:cBhvr>
-                                    </p:animEffect>
-                                  </p:childTnLst>
-                                </p:cTn>
-                              </p:par>
-                            </p:childTnLst>
-                          </p:cTn>
-                        </p:par>
-                      </p:childTnLst>
-                    </p:cTn>
-                  </p:par>
-                  <p:par>
-                    <p:cTn id="13" fill="hold">
-                      <p:stCondLst>
-                        <p:cond delay="indefinite"/>
-                      </p:stCondLst>
-                      <p:childTnLst>
-                        <p:par>
-                          <p:cTn id="14" fill="hold">
-                            <p:stCondLst>
-                              <p:cond delay="0"/>
-                            </p:stCondLst>
-                            <p:childTnLst>
-                              <p:par>
-                                <p:cTn id="15" presetID="10" presetClass="entr" presetSubtype="0" fill="hold" nodeType="clickEffect">
-                                  <p:stCondLst>
-                                    <p:cond delay="0"/>
-                                  </p:stCondLst>
-                                  <p:childTnLst>
-                                    <p:set>
-                                      <p:cBhvr>
-                                        <p:cTn id="16" dur="1" fill="hold">
-                                          <p:stCondLst>
-                                            <p:cond delay="0"/>
-                                          </p:stCondLst>
-                                        </p:cTn>
-                                        <p:tgtEl>
-                                          <p:spTgt spid="4">
-                                            <p:txEl>
-                                              <p:pRg st="2" end="2"/>
-                                            </p:txEl>
-                                          </p:spTgt>
-                                        </p:tgtEl>
-                                        <p:attrNameLst>
-                                          <p:attrName>style.visibility</p:attrName>
-                                        </p:attrNameLst>
-                                      </p:cBhvr>
-                                      <p:to>
-                                        <p:strVal val="visible"/>
-                                      </p:to>
-                                    </p:set>
-                                    <p:animEffect transition="in" filter="fade">
-                                      <p:cBhvr>
-                                        <p:cTn id="17" dur="500"/>
-                                        <p:tgtEl>
-                                          <p:spTgt spid="4">
-                                            <p:txEl>
-                                              <p:pRg st="2" end="2"/>
-                                            </p:txEl>
-                                          </p:spTgt>
-                                        </p:tgtEl>
-                                      </p:cBhvr>
-                                    </p:animEffect>
-                                  </p:childTnLst>
-                                </p:cTn>
-                              </p:par>
-                            </p:childTnLst>
-                          </p:cTn>
-                        </p:par>
-                      </p:childTnLst>
-                    </p:cTn>
-                  </p:par>
-                  <p:par>
-                    <p:cTn id="18" fill="hold">
-                      <p:stCondLst>
-                        <p:cond delay="indefinite"/>
-                      </p:stCondLst>
-                      <p:childTnLst>
-                        <p:par>
-                          <p:cTn id="19" fill="hold">
-                            <p:stCondLst>
-                              <p:cond delay="0"/>
-                            </p:stCondLst>
-                            <p:childTnLst>
-                              <p:par>
-                                <p:cTn id="20" presetID="10" presetClass="entr" presetSubtype="0" fill="hold" nodeType="clickEffect">
-                                  <p:stCondLst>
-                                    <p:cond delay="0"/>
-                                  </p:stCondLst>
-                                  <p:childTnLst>
-                                    <p:set>
-                                      <p:cBhvr>
-                                        <p:cTn id="21" dur="1" fill="hold">
-                                          <p:stCondLst>
-                                            <p:cond delay="0"/>
-                                          </p:stCondLst>
-                                        </p:cTn>
-                                        <p:tgtEl>
-                                          <p:spTgt spid="4">
-                                            <p:txEl>
-                                              <p:pRg st="3" end="3"/>
-                                            </p:txEl>
-                                          </p:spTgt>
-                                        </p:tgtEl>
-                                        <p:attrNameLst>
-                                          <p:attrName>style.visibility</p:attrName>
-                                        </p:attrNameLst>
-                                      </p:cBhvr>
-                                      <p:to>
-                                        <p:strVal val="visible"/>
-                                      </p:to>
-                                    </p:set>
-                                    <p:animEffect transition="in" filter="fade">
-                                      <p:cBhvr>
-                                        <p:cTn id="22" dur="500"/>
-                                        <p:tgtEl>
-                                          <p:spTgt spid="4">
-                                            <p:txEl>
-                                              <p:pRg st="3" end="3"/>
-                                            </p:txEl>
-                                          </p:spTgt>
-                                        </p:tgtEl>
-                                      </p:cBhvr>
-                                    </p:animEffect>
-                                  </p:childTnLst>
-                                </p:cTn>
-                              </p:par>
-                            </p:childTnLst>
-                          </p:cTn>
-                        </p:par>
-                      </p:childTnLst>
-                    </p:cTn>
-                  </p:par>
-                </p:childTnLst>
-              </p:cTn>
-              <p:prevCondLst>
-                <p:cond evt="onPrev" delay="0">
-                  <p:tgtEl>
-                    <p:sldTgt/>
-                  </p:tgtEl>
-                </p:cond>
-              </p:prevCondLst>
-              <p:nextCondLst>
-                <p:cond evt="onNext" delay="0">
-                  <p:tgtEl>
-                    <p:sldTgt/>
-                  </p:tgtEl>
-                </p:cond>
-              </p:nextCondLst>
-            </p:seq>
-          </p:childTnLst>
-        </p:cTn>
-      </p:par>
-    </p:tnLst>
-  </p:timing>
-</p:sld>
-</file>
-
-<file path=ppt/slides/slide21.xml><?xml version="1.0" encoding="utf-8"?>
-<p:sld xmlns:a="http://schemas.openxmlformats.org/drawingml/2006/main" xmlns:r="http://schemas.openxmlformats.org/officeDocument/2006/relationships" xmlns:p="http://schemas.openxmlformats.org/presentationml/2006/main">
-  <p:cSld>
-    <p:spTree>
-      <p:nvGrpSpPr>
-        <p:cNvPr id="1" name=""/>
-        <p:cNvGrpSpPr/>
-        <p:nvPr/>
-      </p:nvGrpSpPr>
-      <p:grpSpPr>
-        <a:xfrm>
-          <a:off x="0" y="0"/>
-          <a:ext cx="0" cy="0"/>
-          <a:chOff x="0" y="0"/>
-          <a:chExt cx="0" cy="0"/>
-        </a:xfrm>
-      </p:grpSpPr>
-      <p:sp>
-        <p:nvSpPr>
-          <p:cNvPr id="3" name="Title 2">
-            <a:extLst>
-              <a:ext uri="{FF2B5EF4-FFF2-40B4-BE49-F238E27FC236}">
-                <a16:creationId xmlns:a16="http://schemas.microsoft.com/office/drawing/2014/main" id="{8984C6A1-8B3D-4B10-B395-AB819092E7A5}"/>
-              </a:ext>
-            </a:extLst>
-          </p:cNvPr>
-          <p:cNvSpPr>
-            <a:spLocks noGrp="1"/>
-          </p:cNvSpPr>
-          <p:nvPr>
-            <p:ph type="title"/>
-          </p:nvPr>
-        </p:nvSpPr>
-        <p:spPr>
-          <a:xfrm>
-            <a:off x="838200" y="3038474"/>
-            <a:ext cx="10048875" cy="1133476"/>
-          </a:xfrm>
-        </p:spPr>
-        <p:txBody>
-          <a:bodyPr>
-            <a:noAutofit/>
-          </a:bodyPr>
-          <a:lstStyle/>
-          <a:p>
-            <a:pPr algn="ctr"/>
-            <a:r>
-              <a:rPr lang="en-US" sz="8000" dirty="0">
-                <a:solidFill>
-                  <a:schemeClr val="bg1"/>
-                </a:solidFill>
-                <a:latin typeface="Segoe UI Semibold" panose="020B0702040204020203" pitchFamily="34" charset="0"/>
-                <a:cs typeface="Segoe UI Semibold" panose="020B0702040204020203" pitchFamily="34" charset="0"/>
-              </a:rPr>
-              <a:t>QA</a:t>
-            </a:r>
-            <a:endParaRPr lang="en-US" sz="8000" dirty="0">
-              <a:latin typeface="Segoe UI Semibold" panose="020B0702040204020203" pitchFamily="34" charset="0"/>
-              <a:cs typeface="Segoe UI Semibold" panose="020B0702040204020203" pitchFamily="34" charset="0"/>
-            </a:endParaRPr>
-          </a:p>
-        </p:txBody>
-      </p:sp>
-    </p:spTree>
-    <p:extLst>
-      <p:ext uri="{BB962C8B-B14F-4D97-AF65-F5344CB8AC3E}">
-        <p14:creationId xmlns:p14="http://schemas.microsoft.com/office/powerpoint/2010/main" val="1335914801"/>
-      </p:ext>
-    </p:extLst>
-  </p:cSld>
-  <p:clrMapOvr>
-    <a:masterClrMapping/>
-  </p:clrMapOvr>
-</p:sld>
-</file>
-
 <file path=ppt/slides/slide3.xml><?xml version="1.0" encoding="utf-8"?>
 <p:sld xmlns:a="http://schemas.openxmlformats.org/drawingml/2006/main" xmlns:r="http://schemas.openxmlformats.org/officeDocument/2006/relationships" xmlns:p="http://schemas.openxmlformats.org/presentationml/2006/main">
   <p:cSld>
@@ -11553,7 +10157,7 @@
             <a:pPr algn="ctr"/>
             <a:r>
               <a:rPr lang="ru-RU" sz="2800" dirty="0"/>
-              <a:t>вот зачем ты туда полез?</a:t>
+              <a:t>оно, конечно, понятно… но не понятно</a:t>
             </a:r>
           </a:p>
         </p:txBody>
@@ -11591,7 +10195,7 @@
             <a:pPr algn="ctr"/>
             <a:r>
               <a:rPr lang="ru-RU" sz="2800" dirty="0"/>
-              <a:t>думаешь, твой </a:t>
+              <a:t>он что, </a:t>
             </a:r>
             <a:r>
               <a:rPr lang="ru-RU" sz="2800" dirty="0" err="1"/>
@@ -11601,6 +10205,19 @@
               <a:rPr lang="ru-RU" sz="2800" dirty="0"/>
               <a:t> будет?</a:t>
             </a:r>
+            <a:r>
+              <a:rPr lang="en-US" sz="2800" dirty="0"/>
+              <a:t> </a:t>
+            </a:r>
+            <a:r>
+              <a:rPr lang="ru-RU" sz="2800" dirty="0"/>
+              <a:t>🤪</a:t>
+            </a:r>
+            <a:endParaRPr lang="ru-RU" sz="2800" b="1" dirty="0"/>
+          </a:p>
+          <a:p>
+            <a:pPr algn="ctr"/>
+            <a:endParaRPr lang="ru-RU" sz="2800" dirty="0"/>
           </a:p>
         </p:txBody>
       </p:sp>
@@ -11683,7 +10300,7 @@
             <a:pPr algn="ctr"/>
             <a:r>
               <a:rPr lang="ru-RU" sz="2800" dirty="0"/>
-              <a:t>всем нравится, а ему, видите ли, нет</a:t>
+              <a:t>всем нравится пул, а ему, видите ли, нет</a:t>
             </a:r>
           </a:p>
         </p:txBody>
@@ -14347,7 +12964,7 @@
             <p:nvPr/>
           </p:nvPicPr>
           <p:blipFill rotWithShape="1">
-            <a:blip r:embed="rId2"/>
+            <a:blip r:embed="rId3"/>
             <a:srcRect r="35506" b="23366"/>
             <a:stretch/>
           </p:blipFill>
@@ -14376,7 +12993,7 @@
             <p:nvPr/>
           </p:nvPicPr>
           <p:blipFill rotWithShape="1">
-            <a:blip r:embed="rId3"/>
+            <a:blip r:embed="rId4"/>
             <a:srcRect r="55776" b="24145"/>
             <a:stretch/>
           </p:blipFill>
@@ -14461,7 +13078,7 @@
           <p:nvPr/>
         </p:nvPicPr>
         <p:blipFill>
-          <a:blip r:embed="rId4">
+          <a:blip r:embed="rId5">
             <a:extLst>
               <a:ext uri="{28A0092B-C50C-407E-A947-70E740481C1C}">
                 <a14:useLocalDpi xmlns:a14="http://schemas.microsoft.com/office/drawing/2010/main" val="0"/>
@@ -14547,14 +13164,14 @@
           <p:nvPr/>
         </p:nvPicPr>
         <p:blipFill rotWithShape="1">
-          <a:blip r:embed="rId5"/>
-          <a:srcRect l="80" t="-79" r="47912" b="7679"/>
+          <a:blip r:embed="rId6"/>
+          <a:srcRect l="80" t="-79" r="47912" b="15886"/>
           <a:stretch/>
         </p:blipFill>
         <p:spPr>
           <a:xfrm>
             <a:off x="1788730" y="995083"/>
-            <a:ext cx="8614539" cy="6434417"/>
+            <a:ext cx="8614539" cy="5862917"/>
           </a:xfrm>
           <a:prstGeom prst="rect">
             <a:avLst/>
@@ -14583,7 +13200,7 @@
         <p:spPr>
           <a:xfrm>
             <a:off x="0" y="4338774"/>
-            <a:ext cx="12654482" cy="2507247"/>
+            <a:ext cx="12192000" cy="2519226"/>
           </a:xfrm>
           <a:prstGeom prst="rect">
             <a:avLst/>
